--- a/Gestión de Datos-Trabajo Final-Caso GSE.pptx
+++ b/Gestión de Datos-Trabajo Final-Caso GSE.pptx
@@ -191,7 +191,7 @@
           <p:cNvPr id="2" name="Título 1">
             <a:extLst>
               <a:ext uri="{FF2B5EF4-FFF2-40B4-BE49-F238E27FC236}">
-                <a16:creationId xmlns:a16="http://schemas.microsoft.com/office/drawing/2014/main" xmlns="" id="{747AAD27-A7E9-4578-A693-A0256B51FECB}"/>
+                <a16:creationId xmlns="" xmlns:a16="http://schemas.microsoft.com/office/drawing/2014/main" id="{747AAD27-A7E9-4578-A693-A0256B51FECB}"/>
               </a:ext>
             </a:extLst>
           </p:cNvPr>
@@ -229,7 +229,7 @@
           <p:cNvPr id="3" name="Subtítulo 2">
             <a:extLst>
               <a:ext uri="{FF2B5EF4-FFF2-40B4-BE49-F238E27FC236}">
-                <a16:creationId xmlns:a16="http://schemas.microsoft.com/office/drawing/2014/main" xmlns="" id="{B724DA6F-8434-475B-B9B9-BAB82501155E}"/>
+                <a16:creationId xmlns="" xmlns:a16="http://schemas.microsoft.com/office/drawing/2014/main" id="{B724DA6F-8434-475B-B9B9-BAB82501155E}"/>
               </a:ext>
             </a:extLst>
           </p:cNvPr>
@@ -300,7 +300,7 @@
           <p:cNvPr id="4" name="Marcador de fecha 3">
             <a:extLst>
               <a:ext uri="{FF2B5EF4-FFF2-40B4-BE49-F238E27FC236}">
-                <a16:creationId xmlns:a16="http://schemas.microsoft.com/office/drawing/2014/main" xmlns="" id="{10A683EF-D5EA-4925-A9A9-6798614973C0}"/>
+                <a16:creationId xmlns="" xmlns:a16="http://schemas.microsoft.com/office/drawing/2014/main" id="{10A683EF-D5EA-4925-A9A9-6798614973C0}"/>
               </a:ext>
             </a:extLst>
           </p:cNvPr>
@@ -329,7 +329,7 @@
           <p:cNvPr id="5" name="Marcador de pie de página 4">
             <a:extLst>
               <a:ext uri="{FF2B5EF4-FFF2-40B4-BE49-F238E27FC236}">
-                <a16:creationId xmlns:a16="http://schemas.microsoft.com/office/drawing/2014/main" xmlns="" id="{A34E2446-75F6-4D06-8391-BB30ABD9DD59}"/>
+                <a16:creationId xmlns="" xmlns:a16="http://schemas.microsoft.com/office/drawing/2014/main" id="{A34E2446-75F6-4D06-8391-BB30ABD9DD59}"/>
               </a:ext>
             </a:extLst>
           </p:cNvPr>
@@ -354,7 +354,7 @@
           <p:cNvPr id="6" name="Marcador de número de diapositiva 5">
             <a:extLst>
               <a:ext uri="{FF2B5EF4-FFF2-40B4-BE49-F238E27FC236}">
-                <a16:creationId xmlns:a16="http://schemas.microsoft.com/office/drawing/2014/main" xmlns="" id="{B02A6593-6632-47C2-9BBE-7A229C734C9A}"/>
+                <a16:creationId xmlns="" xmlns:a16="http://schemas.microsoft.com/office/drawing/2014/main" id="{B02A6593-6632-47C2-9BBE-7A229C734C9A}"/>
               </a:ext>
             </a:extLst>
           </p:cNvPr>
@@ -413,7 +413,7 @@
           <p:cNvPr id="2" name="Título 1">
             <a:extLst>
               <a:ext uri="{FF2B5EF4-FFF2-40B4-BE49-F238E27FC236}">
-                <a16:creationId xmlns:a16="http://schemas.microsoft.com/office/drawing/2014/main" xmlns="" id="{58D36874-A086-4329-B98F-8076A753C63C}"/>
+                <a16:creationId xmlns="" xmlns:a16="http://schemas.microsoft.com/office/drawing/2014/main" id="{58D36874-A086-4329-B98F-8076A753C63C}"/>
               </a:ext>
             </a:extLst>
           </p:cNvPr>
@@ -442,7 +442,7 @@
           <p:cNvPr id="3" name="Marcador de texto vertical 2">
             <a:extLst>
               <a:ext uri="{FF2B5EF4-FFF2-40B4-BE49-F238E27FC236}">
-                <a16:creationId xmlns:a16="http://schemas.microsoft.com/office/drawing/2014/main" xmlns="" id="{E5E23992-9474-4034-A3E9-709428FA8915}"/>
+                <a16:creationId xmlns="" xmlns:a16="http://schemas.microsoft.com/office/drawing/2014/main" id="{E5E23992-9474-4034-A3E9-709428FA8915}"/>
               </a:ext>
             </a:extLst>
           </p:cNvPr>
@@ -500,7 +500,7 @@
           <p:cNvPr id="4" name="Marcador de fecha 3">
             <a:extLst>
               <a:ext uri="{FF2B5EF4-FFF2-40B4-BE49-F238E27FC236}">
-                <a16:creationId xmlns:a16="http://schemas.microsoft.com/office/drawing/2014/main" xmlns="" id="{5F0325DE-C94E-4C38-BE71-7C45D1383F9D}"/>
+                <a16:creationId xmlns="" xmlns:a16="http://schemas.microsoft.com/office/drawing/2014/main" id="{5F0325DE-C94E-4C38-BE71-7C45D1383F9D}"/>
               </a:ext>
             </a:extLst>
           </p:cNvPr>
@@ -529,7 +529,7 @@
           <p:cNvPr id="5" name="Marcador de pie de página 4">
             <a:extLst>
               <a:ext uri="{FF2B5EF4-FFF2-40B4-BE49-F238E27FC236}">
-                <a16:creationId xmlns:a16="http://schemas.microsoft.com/office/drawing/2014/main" xmlns="" id="{94D549EA-B817-450E-BD33-C97845AC3185}"/>
+                <a16:creationId xmlns="" xmlns:a16="http://schemas.microsoft.com/office/drawing/2014/main" id="{94D549EA-B817-450E-BD33-C97845AC3185}"/>
               </a:ext>
             </a:extLst>
           </p:cNvPr>
@@ -554,7 +554,7 @@
           <p:cNvPr id="6" name="Marcador de número de diapositiva 5">
             <a:extLst>
               <a:ext uri="{FF2B5EF4-FFF2-40B4-BE49-F238E27FC236}">
-                <a16:creationId xmlns:a16="http://schemas.microsoft.com/office/drawing/2014/main" xmlns="" id="{6B50A24F-A0FC-4526-9D47-9B1180AF56FE}"/>
+                <a16:creationId xmlns="" xmlns:a16="http://schemas.microsoft.com/office/drawing/2014/main" id="{6B50A24F-A0FC-4526-9D47-9B1180AF56FE}"/>
               </a:ext>
             </a:extLst>
           </p:cNvPr>
@@ -613,7 +613,7 @@
           <p:cNvPr id="2" name="Título vertical 1">
             <a:extLst>
               <a:ext uri="{FF2B5EF4-FFF2-40B4-BE49-F238E27FC236}">
-                <a16:creationId xmlns:a16="http://schemas.microsoft.com/office/drawing/2014/main" xmlns="" id="{E586CF39-C8E4-4C51-A9FE-CB4870B79CC4}"/>
+                <a16:creationId xmlns="" xmlns:a16="http://schemas.microsoft.com/office/drawing/2014/main" id="{E586CF39-C8E4-4C51-A9FE-CB4870B79CC4}"/>
               </a:ext>
             </a:extLst>
           </p:cNvPr>
@@ -647,7 +647,7 @@
           <p:cNvPr id="3" name="Marcador de texto vertical 2">
             <a:extLst>
               <a:ext uri="{FF2B5EF4-FFF2-40B4-BE49-F238E27FC236}">
-                <a16:creationId xmlns:a16="http://schemas.microsoft.com/office/drawing/2014/main" xmlns="" id="{A452FB9B-15CE-4BBB-8077-865316A2C671}"/>
+                <a16:creationId xmlns="" xmlns:a16="http://schemas.microsoft.com/office/drawing/2014/main" id="{A452FB9B-15CE-4BBB-8077-865316A2C671}"/>
               </a:ext>
             </a:extLst>
           </p:cNvPr>
@@ -710,7 +710,7 @@
           <p:cNvPr id="4" name="Marcador de fecha 3">
             <a:extLst>
               <a:ext uri="{FF2B5EF4-FFF2-40B4-BE49-F238E27FC236}">
-                <a16:creationId xmlns:a16="http://schemas.microsoft.com/office/drawing/2014/main" xmlns="" id="{245653FE-4361-4746-A5DD-48107978CC87}"/>
+                <a16:creationId xmlns="" xmlns:a16="http://schemas.microsoft.com/office/drawing/2014/main" id="{245653FE-4361-4746-A5DD-48107978CC87}"/>
               </a:ext>
             </a:extLst>
           </p:cNvPr>
@@ -739,7 +739,7 @@
           <p:cNvPr id="5" name="Marcador de pie de página 4">
             <a:extLst>
               <a:ext uri="{FF2B5EF4-FFF2-40B4-BE49-F238E27FC236}">
-                <a16:creationId xmlns:a16="http://schemas.microsoft.com/office/drawing/2014/main" xmlns="" id="{9AF300B5-EA5D-4754-A78F-BF52DEAB7AF5}"/>
+                <a16:creationId xmlns="" xmlns:a16="http://schemas.microsoft.com/office/drawing/2014/main" id="{9AF300B5-EA5D-4754-A78F-BF52DEAB7AF5}"/>
               </a:ext>
             </a:extLst>
           </p:cNvPr>
@@ -764,7 +764,7 @@
           <p:cNvPr id="6" name="Marcador de número de diapositiva 5">
             <a:extLst>
               <a:ext uri="{FF2B5EF4-FFF2-40B4-BE49-F238E27FC236}">
-                <a16:creationId xmlns:a16="http://schemas.microsoft.com/office/drawing/2014/main" xmlns="" id="{CCC52D09-9322-47BD-9766-A90E679A02D8}"/>
+                <a16:creationId xmlns="" xmlns:a16="http://schemas.microsoft.com/office/drawing/2014/main" id="{CCC52D09-9322-47BD-9766-A90E679A02D8}"/>
               </a:ext>
             </a:extLst>
           </p:cNvPr>
@@ -3301,7 +3301,7 @@
           <p:cNvPr id="2" name="Título 1">
             <a:extLst>
               <a:ext uri="{FF2B5EF4-FFF2-40B4-BE49-F238E27FC236}">
-                <a16:creationId xmlns:a16="http://schemas.microsoft.com/office/drawing/2014/main" xmlns="" id="{ADFB56E3-DC43-4E94-922F-BA936FB380F7}"/>
+                <a16:creationId xmlns="" xmlns:a16="http://schemas.microsoft.com/office/drawing/2014/main" id="{ADFB56E3-DC43-4E94-922F-BA936FB380F7}"/>
               </a:ext>
             </a:extLst>
           </p:cNvPr>
@@ -3330,7 +3330,7 @@
           <p:cNvPr id="3" name="Marcador de contenido 2">
             <a:extLst>
               <a:ext uri="{FF2B5EF4-FFF2-40B4-BE49-F238E27FC236}">
-                <a16:creationId xmlns:a16="http://schemas.microsoft.com/office/drawing/2014/main" xmlns="" id="{4182F6E3-BFAD-4CCE-91A0-B91CEB9FF3D2}"/>
+                <a16:creationId xmlns="" xmlns:a16="http://schemas.microsoft.com/office/drawing/2014/main" id="{4182F6E3-BFAD-4CCE-91A0-B91CEB9FF3D2}"/>
               </a:ext>
             </a:extLst>
           </p:cNvPr>
@@ -3388,7 +3388,7 @@
           <p:cNvPr id="4" name="Marcador de fecha 3">
             <a:extLst>
               <a:ext uri="{FF2B5EF4-FFF2-40B4-BE49-F238E27FC236}">
-                <a16:creationId xmlns:a16="http://schemas.microsoft.com/office/drawing/2014/main" xmlns="" id="{27EDA830-36D1-4AE6-8144-F4E6CE6F9DB3}"/>
+                <a16:creationId xmlns="" xmlns:a16="http://schemas.microsoft.com/office/drawing/2014/main" id="{27EDA830-36D1-4AE6-8144-F4E6CE6F9DB3}"/>
               </a:ext>
             </a:extLst>
           </p:cNvPr>
@@ -3417,7 +3417,7 @@
           <p:cNvPr id="5" name="Marcador de pie de página 4">
             <a:extLst>
               <a:ext uri="{FF2B5EF4-FFF2-40B4-BE49-F238E27FC236}">
-                <a16:creationId xmlns:a16="http://schemas.microsoft.com/office/drawing/2014/main" xmlns="" id="{41E1DD02-8D19-4B68-BC9B-1C19C91E6463}"/>
+                <a16:creationId xmlns="" xmlns:a16="http://schemas.microsoft.com/office/drawing/2014/main" id="{41E1DD02-8D19-4B68-BC9B-1C19C91E6463}"/>
               </a:ext>
             </a:extLst>
           </p:cNvPr>
@@ -3442,7 +3442,7 @@
           <p:cNvPr id="6" name="Marcador de número de diapositiva 5">
             <a:extLst>
               <a:ext uri="{FF2B5EF4-FFF2-40B4-BE49-F238E27FC236}">
-                <a16:creationId xmlns:a16="http://schemas.microsoft.com/office/drawing/2014/main" xmlns="" id="{CA4D1ECB-C6A5-4ADF-9877-B9E9DBECD6B5}"/>
+                <a16:creationId xmlns="" xmlns:a16="http://schemas.microsoft.com/office/drawing/2014/main" id="{CA4D1ECB-C6A5-4ADF-9877-B9E9DBECD6B5}"/>
               </a:ext>
             </a:extLst>
           </p:cNvPr>
@@ -4392,7 +4392,7 @@
           <p:cNvPr id="2" name="Título 1">
             <a:extLst>
               <a:ext uri="{FF2B5EF4-FFF2-40B4-BE49-F238E27FC236}">
-                <a16:creationId xmlns:a16="http://schemas.microsoft.com/office/drawing/2014/main" xmlns="" id="{09F5CE7B-58B9-4C49-AFE0-E7E07BE30C23}"/>
+                <a16:creationId xmlns="" xmlns:a16="http://schemas.microsoft.com/office/drawing/2014/main" id="{09F5CE7B-58B9-4C49-AFE0-E7E07BE30C23}"/>
               </a:ext>
             </a:extLst>
           </p:cNvPr>
@@ -4430,7 +4430,7 @@
           <p:cNvPr id="3" name="Marcador de texto 2">
             <a:extLst>
               <a:ext uri="{FF2B5EF4-FFF2-40B4-BE49-F238E27FC236}">
-                <a16:creationId xmlns:a16="http://schemas.microsoft.com/office/drawing/2014/main" xmlns="" id="{0D8D0DA2-0485-4AB9-BC9C-810132B3FBDF}"/>
+                <a16:creationId xmlns="" xmlns:a16="http://schemas.microsoft.com/office/drawing/2014/main" id="{0D8D0DA2-0485-4AB9-BC9C-810132B3FBDF}"/>
               </a:ext>
             </a:extLst>
           </p:cNvPr>
@@ -4555,7 +4555,7 @@
           <p:cNvPr id="4" name="Marcador de fecha 3">
             <a:extLst>
               <a:ext uri="{FF2B5EF4-FFF2-40B4-BE49-F238E27FC236}">
-                <a16:creationId xmlns:a16="http://schemas.microsoft.com/office/drawing/2014/main" xmlns="" id="{24DF6F65-DE2D-45C2-9EDC-B79E4906EDB2}"/>
+                <a16:creationId xmlns="" xmlns:a16="http://schemas.microsoft.com/office/drawing/2014/main" id="{24DF6F65-DE2D-45C2-9EDC-B79E4906EDB2}"/>
               </a:ext>
             </a:extLst>
           </p:cNvPr>
@@ -4584,7 +4584,7 @@
           <p:cNvPr id="5" name="Marcador de pie de página 4">
             <a:extLst>
               <a:ext uri="{FF2B5EF4-FFF2-40B4-BE49-F238E27FC236}">
-                <a16:creationId xmlns:a16="http://schemas.microsoft.com/office/drawing/2014/main" xmlns="" id="{CBA8024E-0130-49F1-BC02-9166834F9168}"/>
+                <a16:creationId xmlns="" xmlns:a16="http://schemas.microsoft.com/office/drawing/2014/main" id="{CBA8024E-0130-49F1-BC02-9166834F9168}"/>
               </a:ext>
             </a:extLst>
           </p:cNvPr>
@@ -4609,7 +4609,7 @@
           <p:cNvPr id="6" name="Marcador de número de diapositiva 5">
             <a:extLst>
               <a:ext uri="{FF2B5EF4-FFF2-40B4-BE49-F238E27FC236}">
-                <a16:creationId xmlns:a16="http://schemas.microsoft.com/office/drawing/2014/main" xmlns="" id="{B5FFD4B8-D2ED-4D8F-893C-C008FB50A102}"/>
+                <a16:creationId xmlns="" xmlns:a16="http://schemas.microsoft.com/office/drawing/2014/main" id="{B5FFD4B8-D2ED-4D8F-893C-C008FB50A102}"/>
               </a:ext>
             </a:extLst>
           </p:cNvPr>
@@ -4668,7 +4668,7 @@
           <p:cNvPr id="2" name="Título 1">
             <a:extLst>
               <a:ext uri="{FF2B5EF4-FFF2-40B4-BE49-F238E27FC236}">
-                <a16:creationId xmlns:a16="http://schemas.microsoft.com/office/drawing/2014/main" xmlns="" id="{7E9A8DFD-44AE-4A95-B687-7B4D9F9C14C8}"/>
+                <a16:creationId xmlns="" xmlns:a16="http://schemas.microsoft.com/office/drawing/2014/main" id="{7E9A8DFD-44AE-4A95-B687-7B4D9F9C14C8}"/>
               </a:ext>
             </a:extLst>
           </p:cNvPr>
@@ -4697,7 +4697,7 @@
           <p:cNvPr id="3" name="Marcador de contenido 2">
             <a:extLst>
               <a:ext uri="{FF2B5EF4-FFF2-40B4-BE49-F238E27FC236}">
-                <a16:creationId xmlns:a16="http://schemas.microsoft.com/office/drawing/2014/main" xmlns="" id="{7EE9A5C3-C92A-4F66-999A-3E13C68D9F64}"/>
+                <a16:creationId xmlns="" xmlns:a16="http://schemas.microsoft.com/office/drawing/2014/main" id="{7EE9A5C3-C92A-4F66-999A-3E13C68D9F64}"/>
               </a:ext>
             </a:extLst>
           </p:cNvPr>
@@ -4760,7 +4760,7 @@
           <p:cNvPr id="4" name="Marcador de contenido 3">
             <a:extLst>
               <a:ext uri="{FF2B5EF4-FFF2-40B4-BE49-F238E27FC236}">
-                <a16:creationId xmlns:a16="http://schemas.microsoft.com/office/drawing/2014/main" xmlns="" id="{2EC492F6-E976-4E67-9991-43ECA5FF27EB}"/>
+                <a16:creationId xmlns="" xmlns:a16="http://schemas.microsoft.com/office/drawing/2014/main" id="{2EC492F6-E976-4E67-9991-43ECA5FF27EB}"/>
               </a:ext>
             </a:extLst>
           </p:cNvPr>
@@ -4823,7 +4823,7 @@
           <p:cNvPr id="5" name="Marcador de fecha 4">
             <a:extLst>
               <a:ext uri="{FF2B5EF4-FFF2-40B4-BE49-F238E27FC236}">
-                <a16:creationId xmlns:a16="http://schemas.microsoft.com/office/drawing/2014/main" xmlns="" id="{40CAC9E5-B581-4ED8-9ADC-7E961B1337EB}"/>
+                <a16:creationId xmlns="" xmlns:a16="http://schemas.microsoft.com/office/drawing/2014/main" id="{40CAC9E5-B581-4ED8-9ADC-7E961B1337EB}"/>
               </a:ext>
             </a:extLst>
           </p:cNvPr>
@@ -4852,7 +4852,7 @@
           <p:cNvPr id="6" name="Marcador de pie de página 5">
             <a:extLst>
               <a:ext uri="{FF2B5EF4-FFF2-40B4-BE49-F238E27FC236}">
-                <a16:creationId xmlns:a16="http://schemas.microsoft.com/office/drawing/2014/main" xmlns="" id="{7424B4F8-6E15-4829-9767-390B2182D981}"/>
+                <a16:creationId xmlns="" xmlns:a16="http://schemas.microsoft.com/office/drawing/2014/main" id="{7424B4F8-6E15-4829-9767-390B2182D981}"/>
               </a:ext>
             </a:extLst>
           </p:cNvPr>
@@ -4877,7 +4877,7 @@
           <p:cNvPr id="7" name="Marcador de número de diapositiva 6">
             <a:extLst>
               <a:ext uri="{FF2B5EF4-FFF2-40B4-BE49-F238E27FC236}">
-                <a16:creationId xmlns:a16="http://schemas.microsoft.com/office/drawing/2014/main" xmlns="" id="{F87B8E7C-6CBA-4650-9CF9-E212199A6B94}"/>
+                <a16:creationId xmlns="" xmlns:a16="http://schemas.microsoft.com/office/drawing/2014/main" id="{F87B8E7C-6CBA-4650-9CF9-E212199A6B94}"/>
               </a:ext>
             </a:extLst>
           </p:cNvPr>
@@ -4936,7 +4936,7 @@
           <p:cNvPr id="2" name="Título 1">
             <a:extLst>
               <a:ext uri="{FF2B5EF4-FFF2-40B4-BE49-F238E27FC236}">
-                <a16:creationId xmlns:a16="http://schemas.microsoft.com/office/drawing/2014/main" xmlns="" id="{D29E9573-D23B-4354-ADDD-60374D4D4E07}"/>
+                <a16:creationId xmlns="" xmlns:a16="http://schemas.microsoft.com/office/drawing/2014/main" id="{D29E9573-D23B-4354-ADDD-60374D4D4E07}"/>
               </a:ext>
             </a:extLst>
           </p:cNvPr>
@@ -4970,7 +4970,7 @@
           <p:cNvPr id="3" name="Marcador de texto 2">
             <a:extLst>
               <a:ext uri="{FF2B5EF4-FFF2-40B4-BE49-F238E27FC236}">
-                <a16:creationId xmlns:a16="http://schemas.microsoft.com/office/drawing/2014/main" xmlns="" id="{0CC1E06E-CB1F-42E3-BD18-0BD23592AE89}"/>
+                <a16:creationId xmlns="" xmlns:a16="http://schemas.microsoft.com/office/drawing/2014/main" id="{0CC1E06E-CB1F-42E3-BD18-0BD23592AE89}"/>
               </a:ext>
             </a:extLst>
           </p:cNvPr>
@@ -5041,7 +5041,7 @@
           <p:cNvPr id="4" name="Marcador de contenido 3">
             <a:extLst>
               <a:ext uri="{FF2B5EF4-FFF2-40B4-BE49-F238E27FC236}">
-                <a16:creationId xmlns:a16="http://schemas.microsoft.com/office/drawing/2014/main" xmlns="" id="{86C4112D-56B5-4B16-B6D9-3753514D6208}"/>
+                <a16:creationId xmlns="" xmlns:a16="http://schemas.microsoft.com/office/drawing/2014/main" id="{86C4112D-56B5-4B16-B6D9-3753514D6208}"/>
               </a:ext>
             </a:extLst>
           </p:cNvPr>
@@ -5104,7 +5104,7 @@
           <p:cNvPr id="5" name="Marcador de texto 4">
             <a:extLst>
               <a:ext uri="{FF2B5EF4-FFF2-40B4-BE49-F238E27FC236}">
-                <a16:creationId xmlns:a16="http://schemas.microsoft.com/office/drawing/2014/main" xmlns="" id="{0CCE941E-B21C-4033-A6D3-A859584E9ABD}"/>
+                <a16:creationId xmlns="" xmlns:a16="http://schemas.microsoft.com/office/drawing/2014/main" id="{0CCE941E-B21C-4033-A6D3-A859584E9ABD}"/>
               </a:ext>
             </a:extLst>
           </p:cNvPr>
@@ -5175,7 +5175,7 @@
           <p:cNvPr id="6" name="Marcador de contenido 5">
             <a:extLst>
               <a:ext uri="{FF2B5EF4-FFF2-40B4-BE49-F238E27FC236}">
-                <a16:creationId xmlns:a16="http://schemas.microsoft.com/office/drawing/2014/main" xmlns="" id="{ECD9E4B3-B78E-4ED9-96FC-3846DB51473E}"/>
+                <a16:creationId xmlns="" xmlns:a16="http://schemas.microsoft.com/office/drawing/2014/main" id="{ECD9E4B3-B78E-4ED9-96FC-3846DB51473E}"/>
               </a:ext>
             </a:extLst>
           </p:cNvPr>
@@ -5238,7 +5238,7 @@
           <p:cNvPr id="7" name="Marcador de fecha 6">
             <a:extLst>
               <a:ext uri="{FF2B5EF4-FFF2-40B4-BE49-F238E27FC236}">
-                <a16:creationId xmlns:a16="http://schemas.microsoft.com/office/drawing/2014/main" xmlns="" id="{3B0D6966-8EBC-44AB-8A21-AA3A6E5C83DA}"/>
+                <a16:creationId xmlns="" xmlns:a16="http://schemas.microsoft.com/office/drawing/2014/main" id="{3B0D6966-8EBC-44AB-8A21-AA3A6E5C83DA}"/>
               </a:ext>
             </a:extLst>
           </p:cNvPr>
@@ -5267,7 +5267,7 @@
           <p:cNvPr id="8" name="Marcador de pie de página 7">
             <a:extLst>
               <a:ext uri="{FF2B5EF4-FFF2-40B4-BE49-F238E27FC236}">
-                <a16:creationId xmlns:a16="http://schemas.microsoft.com/office/drawing/2014/main" xmlns="" id="{F589FF2C-85F4-45E7-B8B1-31D695009346}"/>
+                <a16:creationId xmlns="" xmlns:a16="http://schemas.microsoft.com/office/drawing/2014/main" id="{F589FF2C-85F4-45E7-B8B1-31D695009346}"/>
               </a:ext>
             </a:extLst>
           </p:cNvPr>
@@ -5292,7 +5292,7 @@
           <p:cNvPr id="9" name="Marcador de número de diapositiva 8">
             <a:extLst>
               <a:ext uri="{FF2B5EF4-FFF2-40B4-BE49-F238E27FC236}">
-                <a16:creationId xmlns:a16="http://schemas.microsoft.com/office/drawing/2014/main" xmlns="" id="{D52B0EC4-0E13-41C3-B064-EB11F36D0FE8}"/>
+                <a16:creationId xmlns="" xmlns:a16="http://schemas.microsoft.com/office/drawing/2014/main" id="{D52B0EC4-0E13-41C3-B064-EB11F36D0FE8}"/>
               </a:ext>
             </a:extLst>
           </p:cNvPr>
@@ -5351,7 +5351,7 @@
           <p:cNvPr id="2" name="Título 1">
             <a:extLst>
               <a:ext uri="{FF2B5EF4-FFF2-40B4-BE49-F238E27FC236}">
-                <a16:creationId xmlns:a16="http://schemas.microsoft.com/office/drawing/2014/main" xmlns="" id="{0A7EECF6-9484-457D-9DD2-1302D21A9317}"/>
+                <a16:creationId xmlns="" xmlns:a16="http://schemas.microsoft.com/office/drawing/2014/main" id="{0A7EECF6-9484-457D-9DD2-1302D21A9317}"/>
               </a:ext>
             </a:extLst>
           </p:cNvPr>
@@ -5380,7 +5380,7 @@
           <p:cNvPr id="3" name="Marcador de fecha 2">
             <a:extLst>
               <a:ext uri="{FF2B5EF4-FFF2-40B4-BE49-F238E27FC236}">
-                <a16:creationId xmlns:a16="http://schemas.microsoft.com/office/drawing/2014/main" xmlns="" id="{C4FAEDF4-88F5-4502-839E-0BE279E68CF6}"/>
+                <a16:creationId xmlns="" xmlns:a16="http://schemas.microsoft.com/office/drawing/2014/main" id="{C4FAEDF4-88F5-4502-839E-0BE279E68CF6}"/>
               </a:ext>
             </a:extLst>
           </p:cNvPr>
@@ -5409,7 +5409,7 @@
           <p:cNvPr id="4" name="Marcador de pie de página 3">
             <a:extLst>
               <a:ext uri="{FF2B5EF4-FFF2-40B4-BE49-F238E27FC236}">
-                <a16:creationId xmlns:a16="http://schemas.microsoft.com/office/drawing/2014/main" xmlns="" id="{9D3929EA-250F-4DAA-945F-F5A7153F3112}"/>
+                <a16:creationId xmlns="" xmlns:a16="http://schemas.microsoft.com/office/drawing/2014/main" id="{9D3929EA-250F-4DAA-945F-F5A7153F3112}"/>
               </a:ext>
             </a:extLst>
           </p:cNvPr>
@@ -5434,7 +5434,7 @@
           <p:cNvPr id="5" name="Marcador de número de diapositiva 4">
             <a:extLst>
               <a:ext uri="{FF2B5EF4-FFF2-40B4-BE49-F238E27FC236}">
-                <a16:creationId xmlns:a16="http://schemas.microsoft.com/office/drawing/2014/main" xmlns="" id="{E7C33B60-AA19-4D1A-B6E6-81E081BC696D}"/>
+                <a16:creationId xmlns="" xmlns:a16="http://schemas.microsoft.com/office/drawing/2014/main" id="{E7C33B60-AA19-4D1A-B6E6-81E081BC696D}"/>
               </a:ext>
             </a:extLst>
           </p:cNvPr>
@@ -5493,7 +5493,7 @@
           <p:cNvPr id="2" name="Marcador de fecha 1">
             <a:extLst>
               <a:ext uri="{FF2B5EF4-FFF2-40B4-BE49-F238E27FC236}">
-                <a16:creationId xmlns:a16="http://schemas.microsoft.com/office/drawing/2014/main" xmlns="" id="{3282673D-E857-4FF7-90B0-6E72F3DBF621}"/>
+                <a16:creationId xmlns="" xmlns:a16="http://schemas.microsoft.com/office/drawing/2014/main" id="{3282673D-E857-4FF7-90B0-6E72F3DBF621}"/>
               </a:ext>
             </a:extLst>
           </p:cNvPr>
@@ -5522,7 +5522,7 @@
           <p:cNvPr id="3" name="Marcador de pie de página 2">
             <a:extLst>
               <a:ext uri="{FF2B5EF4-FFF2-40B4-BE49-F238E27FC236}">
-                <a16:creationId xmlns:a16="http://schemas.microsoft.com/office/drawing/2014/main" xmlns="" id="{7907EB3E-8021-4B8A-94FB-DACBEAB68856}"/>
+                <a16:creationId xmlns="" xmlns:a16="http://schemas.microsoft.com/office/drawing/2014/main" id="{7907EB3E-8021-4B8A-94FB-DACBEAB68856}"/>
               </a:ext>
             </a:extLst>
           </p:cNvPr>
@@ -5547,7 +5547,7 @@
           <p:cNvPr id="4" name="Marcador de número de diapositiva 3">
             <a:extLst>
               <a:ext uri="{FF2B5EF4-FFF2-40B4-BE49-F238E27FC236}">
-                <a16:creationId xmlns:a16="http://schemas.microsoft.com/office/drawing/2014/main" xmlns="" id="{35ACE47A-7182-493D-8A28-382FF8FAFFE9}"/>
+                <a16:creationId xmlns="" xmlns:a16="http://schemas.microsoft.com/office/drawing/2014/main" id="{35ACE47A-7182-493D-8A28-382FF8FAFFE9}"/>
               </a:ext>
             </a:extLst>
           </p:cNvPr>
@@ -5606,7 +5606,7 @@
           <p:cNvPr id="2" name="Título 1">
             <a:extLst>
               <a:ext uri="{FF2B5EF4-FFF2-40B4-BE49-F238E27FC236}">
-                <a16:creationId xmlns:a16="http://schemas.microsoft.com/office/drawing/2014/main" xmlns="" id="{985E7AA4-201C-4870-B923-860CB5CCF0DC}"/>
+                <a16:creationId xmlns="" xmlns:a16="http://schemas.microsoft.com/office/drawing/2014/main" id="{985E7AA4-201C-4870-B923-860CB5CCF0DC}"/>
               </a:ext>
             </a:extLst>
           </p:cNvPr>
@@ -5644,7 +5644,7 @@
           <p:cNvPr id="3" name="Marcador de contenido 2">
             <a:extLst>
               <a:ext uri="{FF2B5EF4-FFF2-40B4-BE49-F238E27FC236}">
-                <a16:creationId xmlns:a16="http://schemas.microsoft.com/office/drawing/2014/main" xmlns="" id="{9365CB26-2C5B-4891-B91E-07FFC0F77B05}"/>
+                <a16:creationId xmlns="" xmlns:a16="http://schemas.microsoft.com/office/drawing/2014/main" id="{9365CB26-2C5B-4891-B91E-07FFC0F77B05}"/>
               </a:ext>
             </a:extLst>
           </p:cNvPr>
@@ -5735,7 +5735,7 @@
           <p:cNvPr id="4" name="Marcador de texto 3">
             <a:extLst>
               <a:ext uri="{FF2B5EF4-FFF2-40B4-BE49-F238E27FC236}">
-                <a16:creationId xmlns:a16="http://schemas.microsoft.com/office/drawing/2014/main" xmlns="" id="{D6CBC5D3-2532-4C8C-8E67-966037C485BF}"/>
+                <a16:creationId xmlns="" xmlns:a16="http://schemas.microsoft.com/office/drawing/2014/main" id="{D6CBC5D3-2532-4C8C-8E67-966037C485BF}"/>
               </a:ext>
             </a:extLst>
           </p:cNvPr>
@@ -5806,7 +5806,7 @@
           <p:cNvPr id="5" name="Marcador de fecha 4">
             <a:extLst>
               <a:ext uri="{FF2B5EF4-FFF2-40B4-BE49-F238E27FC236}">
-                <a16:creationId xmlns:a16="http://schemas.microsoft.com/office/drawing/2014/main" xmlns="" id="{B4368260-B0C2-449B-8F16-F59E2E7FD100}"/>
+                <a16:creationId xmlns="" xmlns:a16="http://schemas.microsoft.com/office/drawing/2014/main" id="{B4368260-B0C2-449B-8F16-F59E2E7FD100}"/>
               </a:ext>
             </a:extLst>
           </p:cNvPr>
@@ -5835,7 +5835,7 @@
           <p:cNvPr id="6" name="Marcador de pie de página 5">
             <a:extLst>
               <a:ext uri="{FF2B5EF4-FFF2-40B4-BE49-F238E27FC236}">
-                <a16:creationId xmlns:a16="http://schemas.microsoft.com/office/drawing/2014/main" xmlns="" id="{3147241F-2DDE-4C07-AC60-462269BB7853}"/>
+                <a16:creationId xmlns="" xmlns:a16="http://schemas.microsoft.com/office/drawing/2014/main" id="{3147241F-2DDE-4C07-AC60-462269BB7853}"/>
               </a:ext>
             </a:extLst>
           </p:cNvPr>
@@ -5860,7 +5860,7 @@
           <p:cNvPr id="7" name="Marcador de número de diapositiva 6">
             <a:extLst>
               <a:ext uri="{FF2B5EF4-FFF2-40B4-BE49-F238E27FC236}">
-                <a16:creationId xmlns:a16="http://schemas.microsoft.com/office/drawing/2014/main" xmlns="" id="{6C18689A-1596-47CA-A69C-FF90D9897898}"/>
+                <a16:creationId xmlns="" xmlns:a16="http://schemas.microsoft.com/office/drawing/2014/main" id="{6C18689A-1596-47CA-A69C-FF90D9897898}"/>
               </a:ext>
             </a:extLst>
           </p:cNvPr>
@@ -5919,7 +5919,7 @@
           <p:cNvPr id="2" name="Título 1">
             <a:extLst>
               <a:ext uri="{FF2B5EF4-FFF2-40B4-BE49-F238E27FC236}">
-                <a16:creationId xmlns:a16="http://schemas.microsoft.com/office/drawing/2014/main" xmlns="" id="{1AEEFAFA-6947-47F9-8D81-716B6962292E}"/>
+                <a16:creationId xmlns="" xmlns:a16="http://schemas.microsoft.com/office/drawing/2014/main" id="{1AEEFAFA-6947-47F9-8D81-716B6962292E}"/>
               </a:ext>
             </a:extLst>
           </p:cNvPr>
@@ -5957,7 +5957,7 @@
           <p:cNvPr id="3" name="Marcador de posición de imagen 2">
             <a:extLst>
               <a:ext uri="{FF2B5EF4-FFF2-40B4-BE49-F238E27FC236}">
-                <a16:creationId xmlns:a16="http://schemas.microsoft.com/office/drawing/2014/main" xmlns="" id="{669CD88D-B357-4D34-A9E3-10C5384C47E4}"/>
+                <a16:creationId xmlns="" xmlns:a16="http://schemas.microsoft.com/office/drawing/2014/main" id="{669CD88D-B357-4D34-A9E3-10C5384C47E4}"/>
               </a:ext>
             </a:extLst>
           </p:cNvPr>
@@ -6024,7 +6024,7 @@
           <p:cNvPr id="4" name="Marcador de texto 3">
             <a:extLst>
               <a:ext uri="{FF2B5EF4-FFF2-40B4-BE49-F238E27FC236}">
-                <a16:creationId xmlns:a16="http://schemas.microsoft.com/office/drawing/2014/main" xmlns="" id="{CBE71F3A-026E-4FF7-B51E-A3A67F5ECA31}"/>
+                <a16:creationId xmlns="" xmlns:a16="http://schemas.microsoft.com/office/drawing/2014/main" id="{CBE71F3A-026E-4FF7-B51E-A3A67F5ECA31}"/>
               </a:ext>
             </a:extLst>
           </p:cNvPr>
@@ -6095,7 +6095,7 @@
           <p:cNvPr id="5" name="Marcador de fecha 4">
             <a:extLst>
               <a:ext uri="{FF2B5EF4-FFF2-40B4-BE49-F238E27FC236}">
-                <a16:creationId xmlns:a16="http://schemas.microsoft.com/office/drawing/2014/main" xmlns="" id="{52F660BC-8D27-41EA-ADBF-1F9C66D3FC4A}"/>
+                <a16:creationId xmlns="" xmlns:a16="http://schemas.microsoft.com/office/drawing/2014/main" id="{52F660BC-8D27-41EA-ADBF-1F9C66D3FC4A}"/>
               </a:ext>
             </a:extLst>
           </p:cNvPr>
@@ -6124,7 +6124,7 @@
           <p:cNvPr id="6" name="Marcador de pie de página 5">
             <a:extLst>
               <a:ext uri="{FF2B5EF4-FFF2-40B4-BE49-F238E27FC236}">
-                <a16:creationId xmlns:a16="http://schemas.microsoft.com/office/drawing/2014/main" xmlns="" id="{1C4323C4-A0A8-4808-90A8-ADCFFA183146}"/>
+                <a16:creationId xmlns="" xmlns:a16="http://schemas.microsoft.com/office/drawing/2014/main" id="{1C4323C4-A0A8-4808-90A8-ADCFFA183146}"/>
               </a:ext>
             </a:extLst>
           </p:cNvPr>
@@ -6149,7 +6149,7 @@
           <p:cNvPr id="7" name="Marcador de número de diapositiva 6">
             <a:extLst>
               <a:ext uri="{FF2B5EF4-FFF2-40B4-BE49-F238E27FC236}">
-                <a16:creationId xmlns:a16="http://schemas.microsoft.com/office/drawing/2014/main" xmlns="" id="{AF96BD79-D227-4920-89C0-29785ED70CCC}"/>
+                <a16:creationId xmlns="" xmlns:a16="http://schemas.microsoft.com/office/drawing/2014/main" id="{AF96BD79-D227-4920-89C0-29785ED70CCC}"/>
               </a:ext>
             </a:extLst>
           </p:cNvPr>
@@ -6213,7 +6213,7 @@
           <p:cNvPr id="2" name="Marcador de título 1">
             <a:extLst>
               <a:ext uri="{FF2B5EF4-FFF2-40B4-BE49-F238E27FC236}">
-                <a16:creationId xmlns:a16="http://schemas.microsoft.com/office/drawing/2014/main" xmlns="" id="{A608518C-9302-439A-90F2-805D65439530}"/>
+                <a16:creationId xmlns="" xmlns:a16="http://schemas.microsoft.com/office/drawing/2014/main" id="{A608518C-9302-439A-90F2-805D65439530}"/>
               </a:ext>
             </a:extLst>
           </p:cNvPr>
@@ -6252,7 +6252,7 @@
           <p:cNvPr id="3" name="Marcador de texto 2">
             <a:extLst>
               <a:ext uri="{FF2B5EF4-FFF2-40B4-BE49-F238E27FC236}">
-                <a16:creationId xmlns:a16="http://schemas.microsoft.com/office/drawing/2014/main" xmlns="" id="{A8B44A29-70EE-4B9C-A1BC-0ACE9AF4A499}"/>
+                <a16:creationId xmlns="" xmlns:a16="http://schemas.microsoft.com/office/drawing/2014/main" id="{A8B44A29-70EE-4B9C-A1BC-0ACE9AF4A499}"/>
               </a:ext>
             </a:extLst>
           </p:cNvPr>
@@ -6320,7 +6320,7 @@
           <p:cNvPr id="4" name="Marcador de fecha 3">
             <a:extLst>
               <a:ext uri="{FF2B5EF4-FFF2-40B4-BE49-F238E27FC236}">
-                <a16:creationId xmlns:a16="http://schemas.microsoft.com/office/drawing/2014/main" xmlns="" id="{E81DD29B-7CE9-4249-9EA5-131D5089C955}"/>
+                <a16:creationId xmlns="" xmlns:a16="http://schemas.microsoft.com/office/drawing/2014/main" id="{E81DD29B-7CE9-4249-9EA5-131D5089C955}"/>
               </a:ext>
             </a:extLst>
           </p:cNvPr>
@@ -6367,7 +6367,7 @@
           <p:cNvPr id="5" name="Marcador de pie de página 4">
             <a:extLst>
               <a:ext uri="{FF2B5EF4-FFF2-40B4-BE49-F238E27FC236}">
-                <a16:creationId xmlns:a16="http://schemas.microsoft.com/office/drawing/2014/main" xmlns="" id="{474B975E-576A-4F04-918A-1E67BA9C25BF}"/>
+                <a16:creationId xmlns="" xmlns:a16="http://schemas.microsoft.com/office/drawing/2014/main" id="{474B975E-576A-4F04-918A-1E67BA9C25BF}"/>
               </a:ext>
             </a:extLst>
           </p:cNvPr>
@@ -6410,7 +6410,7 @@
           <p:cNvPr id="6" name="Marcador de número de diapositiva 5">
             <a:extLst>
               <a:ext uri="{FF2B5EF4-FFF2-40B4-BE49-F238E27FC236}">
-                <a16:creationId xmlns:a16="http://schemas.microsoft.com/office/drawing/2014/main" xmlns="" id="{F1582B70-EB51-4B98-A1A8-65B6C2EB2927}"/>
+                <a16:creationId xmlns="" xmlns:a16="http://schemas.microsoft.com/office/drawing/2014/main" id="{F1582B70-EB51-4B98-A1A8-65B6C2EB2927}"/>
               </a:ext>
             </a:extLst>
           </p:cNvPr>
@@ -7629,7 +7629,7 @@
           <p:cNvPr id="2" name="Grupo 1">
             <a:extLst>
               <a:ext uri="{FF2B5EF4-FFF2-40B4-BE49-F238E27FC236}">
-                <a16:creationId xmlns:a16="http://schemas.microsoft.com/office/drawing/2014/main" xmlns="" id="{544DC2A7-C452-419D-9CC5-EAA7C9FD27F5}"/>
+                <a16:creationId xmlns="" xmlns:a16="http://schemas.microsoft.com/office/drawing/2014/main" id="{544DC2A7-C452-419D-9CC5-EAA7C9FD27F5}"/>
               </a:ext>
             </a:extLst>
           </p:cNvPr>
@@ -7649,7 +7649,7 @@
             <p:cNvPr id="3" name="Conector recto 2">
               <a:extLst>
                 <a:ext uri="{FF2B5EF4-FFF2-40B4-BE49-F238E27FC236}">
-                  <a16:creationId xmlns:a16="http://schemas.microsoft.com/office/drawing/2014/main" xmlns="" id="{7F8FA926-93B0-4831-B6DC-7312CCF45A5E}"/>
+                  <a16:creationId xmlns="" xmlns:a16="http://schemas.microsoft.com/office/drawing/2014/main" id="{7F8FA926-93B0-4831-B6DC-7312CCF45A5E}"/>
                 </a:ext>
               </a:extLst>
             </p:cNvPr>
@@ -7693,7 +7693,7 @@
             <p:cNvPr id="4" name="Google Shape;94;p14">
               <a:extLst>
                 <a:ext uri="{FF2B5EF4-FFF2-40B4-BE49-F238E27FC236}">
-                  <a16:creationId xmlns:a16="http://schemas.microsoft.com/office/drawing/2014/main" xmlns="" id="{5401ECF3-A6D3-4355-A161-F7906A515F50}"/>
+                  <a16:creationId xmlns="" xmlns:a16="http://schemas.microsoft.com/office/drawing/2014/main" id="{5401ECF3-A6D3-4355-A161-F7906A515F50}"/>
                 </a:ext>
               </a:extLst>
             </p:cNvPr>
@@ -7763,7 +7763,7 @@
           <p:cNvPr id="5" name="CuadroTexto 4">
             <a:extLst>
               <a:ext uri="{FF2B5EF4-FFF2-40B4-BE49-F238E27FC236}">
-                <a16:creationId xmlns:a16="http://schemas.microsoft.com/office/drawing/2014/main" xmlns="" id="{CF94E626-C3A5-4B4D-87CA-7641F0FDB5EA}"/>
+                <a16:creationId xmlns="" xmlns:a16="http://schemas.microsoft.com/office/drawing/2014/main" id="{CF94E626-C3A5-4B4D-87CA-7641F0FDB5EA}"/>
               </a:ext>
             </a:extLst>
           </p:cNvPr>
@@ -7806,7 +7806,7 @@
           <p:cNvPr id="23" name="Grupo 22">
             <a:extLst>
               <a:ext uri="{FF2B5EF4-FFF2-40B4-BE49-F238E27FC236}">
-                <a16:creationId xmlns:a16="http://schemas.microsoft.com/office/drawing/2014/main" xmlns="" id="{0E1116EC-F2C3-424E-9212-8165AEA3CB70}"/>
+                <a16:creationId xmlns="" xmlns:a16="http://schemas.microsoft.com/office/drawing/2014/main" id="{0E1116EC-F2C3-424E-9212-8165AEA3CB70}"/>
               </a:ext>
             </a:extLst>
           </p:cNvPr>
@@ -7826,7 +7826,7 @@
             <p:cNvPr id="11" name="Imagen 10">
               <a:extLst>
                 <a:ext uri="{FF2B5EF4-FFF2-40B4-BE49-F238E27FC236}">
-                  <a16:creationId xmlns:a16="http://schemas.microsoft.com/office/drawing/2014/main" xmlns="" id="{6CD0C08D-8F23-49B2-B12D-6A99CD057730}"/>
+                  <a16:creationId xmlns="" xmlns:a16="http://schemas.microsoft.com/office/drawing/2014/main" id="{6CD0C08D-8F23-49B2-B12D-6A99CD057730}"/>
                 </a:ext>
               </a:extLst>
             </p:cNvPr>
@@ -7856,7 +7856,7 @@
             <p:cNvPr id="13" name="CuadroTexto 12">
               <a:extLst>
                 <a:ext uri="{FF2B5EF4-FFF2-40B4-BE49-F238E27FC236}">
-                  <a16:creationId xmlns:a16="http://schemas.microsoft.com/office/drawing/2014/main" xmlns="" id="{EA02023E-7259-4B2B-B6AB-D98CF9E88BBE}"/>
+                  <a16:creationId xmlns="" xmlns:a16="http://schemas.microsoft.com/office/drawing/2014/main" id="{EA02023E-7259-4B2B-B6AB-D98CF9E88BBE}"/>
                 </a:ext>
               </a:extLst>
             </p:cNvPr>
@@ -7900,7 +7900,7 @@
           <p:cNvPr id="24" name="Grupo 23">
             <a:extLst>
               <a:ext uri="{FF2B5EF4-FFF2-40B4-BE49-F238E27FC236}">
-                <a16:creationId xmlns:a16="http://schemas.microsoft.com/office/drawing/2014/main" xmlns="" id="{F6027D5E-70A9-43DF-9C4E-0FA5C7E93072}"/>
+                <a16:creationId xmlns="" xmlns:a16="http://schemas.microsoft.com/office/drawing/2014/main" id="{F6027D5E-70A9-43DF-9C4E-0FA5C7E93072}"/>
               </a:ext>
             </a:extLst>
           </p:cNvPr>
@@ -7920,7 +7920,7 @@
             <p:cNvPr id="10" name="Imagen 9">
               <a:extLst>
                 <a:ext uri="{FF2B5EF4-FFF2-40B4-BE49-F238E27FC236}">
-                  <a16:creationId xmlns:a16="http://schemas.microsoft.com/office/drawing/2014/main" xmlns="" id="{80448FEE-62F1-4689-9D25-39A7E67FEFFC}"/>
+                  <a16:creationId xmlns="" xmlns:a16="http://schemas.microsoft.com/office/drawing/2014/main" id="{80448FEE-62F1-4689-9D25-39A7E67FEFFC}"/>
                 </a:ext>
               </a:extLst>
             </p:cNvPr>
@@ -7950,7 +7950,7 @@
             <p:cNvPr id="14" name="CuadroTexto 13">
               <a:extLst>
                 <a:ext uri="{FF2B5EF4-FFF2-40B4-BE49-F238E27FC236}">
-                  <a16:creationId xmlns:a16="http://schemas.microsoft.com/office/drawing/2014/main" xmlns="" id="{BB764DD0-F046-4114-9D3C-C7B2DB146DA8}"/>
+                  <a16:creationId xmlns="" xmlns:a16="http://schemas.microsoft.com/office/drawing/2014/main" id="{BB764DD0-F046-4114-9D3C-C7B2DB146DA8}"/>
                 </a:ext>
               </a:extLst>
             </p:cNvPr>
@@ -7994,7 +7994,7 @@
           <p:cNvPr id="25" name="Grupo 24">
             <a:extLst>
               <a:ext uri="{FF2B5EF4-FFF2-40B4-BE49-F238E27FC236}">
-                <a16:creationId xmlns:a16="http://schemas.microsoft.com/office/drawing/2014/main" xmlns="" id="{0F44AE81-76F3-42E8-8653-69B2AEA5FE3E}"/>
+                <a16:creationId xmlns="" xmlns:a16="http://schemas.microsoft.com/office/drawing/2014/main" id="{0F44AE81-76F3-42E8-8653-69B2AEA5FE3E}"/>
               </a:ext>
             </a:extLst>
           </p:cNvPr>
@@ -8014,7 +8014,7 @@
             <p:cNvPr id="12" name="Imagen 11">
               <a:extLst>
                 <a:ext uri="{FF2B5EF4-FFF2-40B4-BE49-F238E27FC236}">
-                  <a16:creationId xmlns:a16="http://schemas.microsoft.com/office/drawing/2014/main" xmlns="" id="{3BD6A74D-C3B2-4559-B5EF-3F19456530CB}"/>
+                  <a16:creationId xmlns="" xmlns:a16="http://schemas.microsoft.com/office/drawing/2014/main" id="{3BD6A74D-C3B2-4559-B5EF-3F19456530CB}"/>
                 </a:ext>
               </a:extLst>
             </p:cNvPr>
@@ -8044,7 +8044,7 @@
             <p:cNvPr id="15" name="CuadroTexto 14">
               <a:extLst>
                 <a:ext uri="{FF2B5EF4-FFF2-40B4-BE49-F238E27FC236}">
-                  <a16:creationId xmlns:a16="http://schemas.microsoft.com/office/drawing/2014/main" xmlns="" id="{E93E6B93-732B-44D2-BCF9-45A0DA235AB0}"/>
+                  <a16:creationId xmlns="" xmlns:a16="http://schemas.microsoft.com/office/drawing/2014/main" id="{E93E6B93-732B-44D2-BCF9-45A0DA235AB0}"/>
                 </a:ext>
               </a:extLst>
             </p:cNvPr>
@@ -8088,7 +8088,7 @@
           <p:cNvPr id="28" name="Grupo 27">
             <a:extLst>
               <a:ext uri="{FF2B5EF4-FFF2-40B4-BE49-F238E27FC236}">
-                <a16:creationId xmlns:a16="http://schemas.microsoft.com/office/drawing/2014/main" xmlns="" id="{A7825F3D-6ECE-4160-91AE-F49986E394E8}"/>
+                <a16:creationId xmlns="" xmlns:a16="http://schemas.microsoft.com/office/drawing/2014/main" id="{A7825F3D-6ECE-4160-91AE-F49986E394E8}"/>
               </a:ext>
             </a:extLst>
           </p:cNvPr>
@@ -8108,7 +8108,7 @@
             <p:cNvPr id="16" name="CuadroTexto 15">
               <a:extLst>
                 <a:ext uri="{FF2B5EF4-FFF2-40B4-BE49-F238E27FC236}">
-                  <a16:creationId xmlns:a16="http://schemas.microsoft.com/office/drawing/2014/main" xmlns="" id="{CC10C1E2-2C5C-4586-8264-FD6E14A38C47}"/>
+                  <a16:creationId xmlns="" xmlns:a16="http://schemas.microsoft.com/office/drawing/2014/main" id="{CC10C1E2-2C5C-4586-8264-FD6E14A38C47}"/>
                 </a:ext>
               </a:extLst>
             </p:cNvPr>
@@ -8163,7 +8163,7 @@
             <p:cNvPr id="18" name="Imagen 17">
               <a:extLst>
                 <a:ext uri="{FF2B5EF4-FFF2-40B4-BE49-F238E27FC236}">
-                  <a16:creationId xmlns:a16="http://schemas.microsoft.com/office/drawing/2014/main" xmlns="" id="{E75DA480-7ABA-4D0B-8157-3992507C4F3A}"/>
+                  <a16:creationId xmlns="" xmlns:a16="http://schemas.microsoft.com/office/drawing/2014/main" id="{E75DA480-7ABA-4D0B-8157-3992507C4F3A}"/>
                 </a:ext>
               </a:extLst>
             </p:cNvPr>
@@ -8194,7 +8194,7 @@
           <p:cNvPr id="27" name="Grupo 26">
             <a:extLst>
               <a:ext uri="{FF2B5EF4-FFF2-40B4-BE49-F238E27FC236}">
-                <a16:creationId xmlns:a16="http://schemas.microsoft.com/office/drawing/2014/main" xmlns="" id="{E4A91078-1C4F-4910-9DEC-B74104D63692}"/>
+                <a16:creationId xmlns="" xmlns:a16="http://schemas.microsoft.com/office/drawing/2014/main" id="{E4A91078-1C4F-4910-9DEC-B74104D63692}"/>
               </a:ext>
             </a:extLst>
           </p:cNvPr>
@@ -8214,7 +8214,7 @@
             <p:cNvPr id="19" name="Imagen 18">
               <a:extLst>
                 <a:ext uri="{FF2B5EF4-FFF2-40B4-BE49-F238E27FC236}">
-                  <a16:creationId xmlns:a16="http://schemas.microsoft.com/office/drawing/2014/main" xmlns="" id="{0BDF0DB4-A9DE-4B26-9737-F93211031756}"/>
+                  <a16:creationId xmlns="" xmlns:a16="http://schemas.microsoft.com/office/drawing/2014/main" id="{0BDF0DB4-A9DE-4B26-9737-F93211031756}"/>
                 </a:ext>
               </a:extLst>
             </p:cNvPr>
@@ -8244,7 +8244,7 @@
             <p:cNvPr id="21" name="CuadroTexto 20">
               <a:extLst>
                 <a:ext uri="{FF2B5EF4-FFF2-40B4-BE49-F238E27FC236}">
-                  <a16:creationId xmlns:a16="http://schemas.microsoft.com/office/drawing/2014/main" xmlns="" id="{5DB44567-0C04-468C-AB54-4AF39616064D}"/>
+                  <a16:creationId xmlns="" xmlns:a16="http://schemas.microsoft.com/office/drawing/2014/main" id="{5DB44567-0C04-468C-AB54-4AF39616064D}"/>
                 </a:ext>
               </a:extLst>
             </p:cNvPr>
@@ -8292,7 +8292,7 @@
           <p:cNvPr id="26" name="Grupo 25">
             <a:extLst>
               <a:ext uri="{FF2B5EF4-FFF2-40B4-BE49-F238E27FC236}">
-                <a16:creationId xmlns:a16="http://schemas.microsoft.com/office/drawing/2014/main" xmlns="" id="{316540D5-8161-4ED9-8913-F3F1E43D63A8}"/>
+                <a16:creationId xmlns="" xmlns:a16="http://schemas.microsoft.com/office/drawing/2014/main" id="{316540D5-8161-4ED9-8913-F3F1E43D63A8}"/>
               </a:ext>
             </a:extLst>
           </p:cNvPr>
@@ -8312,7 +8312,7 @@
             <p:cNvPr id="20" name="Imagen 19">
               <a:extLst>
                 <a:ext uri="{FF2B5EF4-FFF2-40B4-BE49-F238E27FC236}">
-                  <a16:creationId xmlns:a16="http://schemas.microsoft.com/office/drawing/2014/main" xmlns="" id="{0434FC10-FA25-485F-9D0C-9F442544DD77}"/>
+                  <a16:creationId xmlns="" xmlns:a16="http://schemas.microsoft.com/office/drawing/2014/main" id="{0434FC10-FA25-485F-9D0C-9F442544DD77}"/>
                 </a:ext>
               </a:extLst>
             </p:cNvPr>
@@ -8342,7 +8342,7 @@
             <p:cNvPr id="22" name="CuadroTexto 21">
               <a:extLst>
                 <a:ext uri="{FF2B5EF4-FFF2-40B4-BE49-F238E27FC236}">
-                  <a16:creationId xmlns:a16="http://schemas.microsoft.com/office/drawing/2014/main" xmlns="" id="{C46572B0-0C01-4412-ABA7-70362A10554F}"/>
+                  <a16:creationId xmlns="" xmlns:a16="http://schemas.microsoft.com/office/drawing/2014/main" id="{C46572B0-0C01-4412-ABA7-70362A10554F}"/>
                 </a:ext>
               </a:extLst>
             </p:cNvPr>
@@ -8416,7 +8416,7 @@
           <p:cNvPr id="2" name="Grupo 1">
             <a:extLst>
               <a:ext uri="{FF2B5EF4-FFF2-40B4-BE49-F238E27FC236}">
-                <a16:creationId xmlns:a16="http://schemas.microsoft.com/office/drawing/2014/main" xmlns="" id="{CE588960-DEB6-49F7-A5C2-B8705DD94C5F}"/>
+                <a16:creationId xmlns="" xmlns:a16="http://schemas.microsoft.com/office/drawing/2014/main" id="{CE588960-DEB6-49F7-A5C2-B8705DD94C5F}"/>
               </a:ext>
             </a:extLst>
           </p:cNvPr>
@@ -8436,7 +8436,7 @@
             <p:cNvPr id="3" name="Conector recto 2">
               <a:extLst>
                 <a:ext uri="{FF2B5EF4-FFF2-40B4-BE49-F238E27FC236}">
-                  <a16:creationId xmlns:a16="http://schemas.microsoft.com/office/drawing/2014/main" xmlns="" id="{D3006355-B059-4BD1-A3B2-0CCC5069B807}"/>
+                  <a16:creationId xmlns="" xmlns:a16="http://schemas.microsoft.com/office/drawing/2014/main" id="{D3006355-B059-4BD1-A3B2-0CCC5069B807}"/>
                 </a:ext>
               </a:extLst>
             </p:cNvPr>
@@ -8480,7 +8480,7 @@
             <p:cNvPr id="4" name="Google Shape;94;p14">
               <a:extLst>
                 <a:ext uri="{FF2B5EF4-FFF2-40B4-BE49-F238E27FC236}">
-                  <a16:creationId xmlns:a16="http://schemas.microsoft.com/office/drawing/2014/main" xmlns="" id="{2DE1ED2D-991F-4D1D-BE20-BEE2D9298552}"/>
+                  <a16:creationId xmlns="" xmlns:a16="http://schemas.microsoft.com/office/drawing/2014/main" id="{2DE1ED2D-991F-4D1D-BE20-BEE2D9298552}"/>
                 </a:ext>
               </a:extLst>
             </p:cNvPr>
@@ -8550,7 +8550,7 @@
           <p:cNvPr id="11" name="CuadroTexto 10">
             <a:extLst>
               <a:ext uri="{FF2B5EF4-FFF2-40B4-BE49-F238E27FC236}">
-                <a16:creationId xmlns:a16="http://schemas.microsoft.com/office/drawing/2014/main" xmlns="" id="{F544077F-1CE4-4B53-AE3F-26216255C3D9}"/>
+                <a16:creationId xmlns="" xmlns:a16="http://schemas.microsoft.com/office/drawing/2014/main" id="{F544077F-1CE4-4B53-AE3F-26216255C3D9}"/>
               </a:ext>
             </a:extLst>
           </p:cNvPr>
@@ -8590,7 +8590,7 @@
           <p:cNvPr id="19" name="Grupo 18">
             <a:extLst>
               <a:ext uri="{FF2B5EF4-FFF2-40B4-BE49-F238E27FC236}">
-                <a16:creationId xmlns:a16="http://schemas.microsoft.com/office/drawing/2014/main" xmlns="" id="{ACD64DD3-FA08-4B27-956A-28DF8882E0A1}"/>
+                <a16:creationId xmlns="" xmlns:a16="http://schemas.microsoft.com/office/drawing/2014/main" id="{ACD64DD3-FA08-4B27-956A-28DF8882E0A1}"/>
               </a:ext>
             </a:extLst>
           </p:cNvPr>
@@ -8610,7 +8610,7 @@
             <p:cNvPr id="16" name="Imagen 15">
               <a:extLst>
                 <a:ext uri="{FF2B5EF4-FFF2-40B4-BE49-F238E27FC236}">
-                  <a16:creationId xmlns:a16="http://schemas.microsoft.com/office/drawing/2014/main" xmlns="" id="{A05BF797-FA5C-4523-A22A-340C24338C75}"/>
+                  <a16:creationId xmlns="" xmlns:a16="http://schemas.microsoft.com/office/drawing/2014/main" id="{A05BF797-FA5C-4523-A22A-340C24338C75}"/>
                 </a:ext>
               </a:extLst>
             </p:cNvPr>
@@ -8654,7 +8654,7 @@
             <p:cNvPr id="17" name="Elipse 16">
               <a:extLst>
                 <a:ext uri="{FF2B5EF4-FFF2-40B4-BE49-F238E27FC236}">
-                  <a16:creationId xmlns:a16="http://schemas.microsoft.com/office/drawing/2014/main" xmlns="" id="{FB1F1DD3-A483-4173-89E9-1C5E15A49863}"/>
+                  <a16:creationId xmlns="" xmlns:a16="http://schemas.microsoft.com/office/drawing/2014/main" id="{FB1F1DD3-A483-4173-89E9-1C5E15A49863}"/>
                 </a:ext>
               </a:extLst>
             </p:cNvPr>
@@ -8707,7 +8707,7 @@
             <p:cNvPr id="18" name="Elipse 17">
               <a:extLst>
                 <a:ext uri="{FF2B5EF4-FFF2-40B4-BE49-F238E27FC236}">
-                  <a16:creationId xmlns:a16="http://schemas.microsoft.com/office/drawing/2014/main" xmlns="" id="{766CF107-DDA7-41CC-9498-593E3E9F6CD0}"/>
+                  <a16:creationId xmlns="" xmlns:a16="http://schemas.microsoft.com/office/drawing/2014/main" id="{766CF107-DDA7-41CC-9498-593E3E9F6CD0}"/>
                 </a:ext>
               </a:extLst>
             </p:cNvPr>
@@ -8761,7 +8761,7 @@
           <p:cNvPr id="20" name="CuadroTexto 19">
             <a:extLst>
               <a:ext uri="{FF2B5EF4-FFF2-40B4-BE49-F238E27FC236}">
-                <a16:creationId xmlns:a16="http://schemas.microsoft.com/office/drawing/2014/main" xmlns="" id="{3CFA207F-E0BD-45EF-AC44-653C8DDC01C6}"/>
+                <a16:creationId xmlns="" xmlns:a16="http://schemas.microsoft.com/office/drawing/2014/main" id="{3CFA207F-E0BD-45EF-AC44-653C8DDC01C6}"/>
               </a:ext>
             </a:extLst>
           </p:cNvPr>
@@ -8830,7 +8830,7 @@
           <p:cNvPr id="3" name="Imagen 2">
             <a:extLst>
               <a:ext uri="{FF2B5EF4-FFF2-40B4-BE49-F238E27FC236}">
-                <a16:creationId xmlns:a16="http://schemas.microsoft.com/office/drawing/2014/main" xmlns="" id="{CDC332BE-C130-4D5A-B152-591933915844}"/>
+                <a16:creationId xmlns="" xmlns:a16="http://schemas.microsoft.com/office/drawing/2014/main" id="{CDC332BE-C130-4D5A-B152-591933915844}"/>
               </a:ext>
             </a:extLst>
           </p:cNvPr>
@@ -8860,7 +8860,7 @@
           <p:cNvPr id="4" name="Grupo 3">
             <a:extLst>
               <a:ext uri="{FF2B5EF4-FFF2-40B4-BE49-F238E27FC236}">
-                <a16:creationId xmlns:a16="http://schemas.microsoft.com/office/drawing/2014/main" xmlns="" id="{0DCFF9E4-D9BF-43AA-A73A-04652DAD1B8C}"/>
+                <a16:creationId xmlns="" xmlns:a16="http://schemas.microsoft.com/office/drawing/2014/main" id="{0DCFF9E4-D9BF-43AA-A73A-04652DAD1B8C}"/>
               </a:ext>
             </a:extLst>
           </p:cNvPr>
@@ -8880,7 +8880,7 @@
             <p:cNvPr id="5" name="Conector recto 4">
               <a:extLst>
                 <a:ext uri="{FF2B5EF4-FFF2-40B4-BE49-F238E27FC236}">
-                  <a16:creationId xmlns:a16="http://schemas.microsoft.com/office/drawing/2014/main" xmlns="" id="{D69283F5-65FC-47FE-8EAC-29F6DC20DCAA}"/>
+                  <a16:creationId xmlns="" xmlns:a16="http://schemas.microsoft.com/office/drawing/2014/main" id="{D69283F5-65FC-47FE-8EAC-29F6DC20DCAA}"/>
                 </a:ext>
               </a:extLst>
             </p:cNvPr>
@@ -8924,7 +8924,7 @@
             <p:cNvPr id="6" name="Google Shape;94;p14">
               <a:extLst>
                 <a:ext uri="{FF2B5EF4-FFF2-40B4-BE49-F238E27FC236}">
-                  <a16:creationId xmlns:a16="http://schemas.microsoft.com/office/drawing/2014/main" xmlns="" id="{9BA9DAEE-6E73-4EA9-B781-836F3549DC3F}"/>
+                  <a16:creationId xmlns="" xmlns:a16="http://schemas.microsoft.com/office/drawing/2014/main" id="{9BA9DAEE-6E73-4EA9-B781-836F3549DC3F}"/>
                 </a:ext>
               </a:extLst>
             </p:cNvPr>
@@ -8994,7 +8994,7 @@
           <p:cNvPr id="7" name="CuadroTexto 6">
             <a:extLst>
               <a:ext uri="{FF2B5EF4-FFF2-40B4-BE49-F238E27FC236}">
-                <a16:creationId xmlns:a16="http://schemas.microsoft.com/office/drawing/2014/main" xmlns="" id="{543D09B0-3CFE-4224-A4CB-9217C61CE0EC}"/>
+                <a16:creationId xmlns="" xmlns:a16="http://schemas.microsoft.com/office/drawing/2014/main" id="{543D09B0-3CFE-4224-A4CB-9217C61CE0EC}"/>
               </a:ext>
             </a:extLst>
           </p:cNvPr>
@@ -9034,7 +9034,7 @@
           <p:cNvPr id="9" name="Imagen 8">
             <a:extLst>
               <a:ext uri="{FF2B5EF4-FFF2-40B4-BE49-F238E27FC236}">
-                <a16:creationId xmlns:a16="http://schemas.microsoft.com/office/drawing/2014/main" xmlns="" id="{DB5562E5-7DA7-4AEF-A8B4-5304768942A4}"/>
+                <a16:creationId xmlns="" xmlns:a16="http://schemas.microsoft.com/office/drawing/2014/main" id="{DB5562E5-7DA7-4AEF-A8B4-5304768942A4}"/>
               </a:ext>
             </a:extLst>
           </p:cNvPr>
@@ -9064,7 +9064,7 @@
           <p:cNvPr id="10" name="Conector recto 9">
             <a:extLst>
               <a:ext uri="{FF2B5EF4-FFF2-40B4-BE49-F238E27FC236}">
-                <a16:creationId xmlns:a16="http://schemas.microsoft.com/office/drawing/2014/main" xmlns="" id="{C19A46F3-B56D-4A55-B91B-AE5C2421A488}"/>
+                <a16:creationId xmlns="" xmlns:a16="http://schemas.microsoft.com/office/drawing/2014/main" id="{C19A46F3-B56D-4A55-B91B-AE5C2421A488}"/>
               </a:ext>
             </a:extLst>
           </p:cNvPr>
@@ -9108,7 +9108,7 @@
           <p:cNvPr id="12" name="Imagen 11">
             <a:extLst>
               <a:ext uri="{FF2B5EF4-FFF2-40B4-BE49-F238E27FC236}">
-                <a16:creationId xmlns:a16="http://schemas.microsoft.com/office/drawing/2014/main" xmlns="" id="{90533B54-5B30-42F9-B9D8-AAE707226349}"/>
+                <a16:creationId xmlns="" xmlns:a16="http://schemas.microsoft.com/office/drawing/2014/main" id="{90533B54-5B30-42F9-B9D8-AAE707226349}"/>
               </a:ext>
             </a:extLst>
           </p:cNvPr>
@@ -9138,7 +9138,7 @@
           <p:cNvPr id="14" name="Imagen 13">
             <a:extLst>
               <a:ext uri="{FF2B5EF4-FFF2-40B4-BE49-F238E27FC236}">
-                <a16:creationId xmlns:a16="http://schemas.microsoft.com/office/drawing/2014/main" xmlns="" id="{EE214AAD-E9A6-4BF5-BDAA-980CFA3D5991}"/>
+                <a16:creationId xmlns="" xmlns:a16="http://schemas.microsoft.com/office/drawing/2014/main" id="{EE214AAD-E9A6-4BF5-BDAA-980CFA3D5991}"/>
               </a:ext>
             </a:extLst>
           </p:cNvPr>
@@ -9168,7 +9168,7 @@
           <p:cNvPr id="16" name="Imagen 15">
             <a:extLst>
               <a:ext uri="{FF2B5EF4-FFF2-40B4-BE49-F238E27FC236}">
-                <a16:creationId xmlns:a16="http://schemas.microsoft.com/office/drawing/2014/main" xmlns="" id="{751D31AC-F143-4F5B-9B3C-2AF0FA40F21D}"/>
+                <a16:creationId xmlns="" xmlns:a16="http://schemas.microsoft.com/office/drawing/2014/main" id="{751D31AC-F143-4F5B-9B3C-2AF0FA40F21D}"/>
               </a:ext>
             </a:extLst>
           </p:cNvPr>
@@ -9268,7 +9268,7 @@
           <p:cNvPr id="2" name="Grupo 1">
             <a:extLst>
               <a:ext uri="{FF2B5EF4-FFF2-40B4-BE49-F238E27FC236}">
-                <a16:creationId xmlns:a16="http://schemas.microsoft.com/office/drawing/2014/main" xmlns="" id="{CE588960-DEB6-49F7-A5C2-B8705DD94C5F}"/>
+                <a16:creationId xmlns="" xmlns:a16="http://schemas.microsoft.com/office/drawing/2014/main" id="{CE588960-DEB6-49F7-A5C2-B8705DD94C5F}"/>
               </a:ext>
             </a:extLst>
           </p:cNvPr>
@@ -9288,7 +9288,7 @@
             <p:cNvPr id="3" name="Conector recto 2">
               <a:extLst>
                 <a:ext uri="{FF2B5EF4-FFF2-40B4-BE49-F238E27FC236}">
-                  <a16:creationId xmlns:a16="http://schemas.microsoft.com/office/drawing/2014/main" xmlns="" id="{D3006355-B059-4BD1-A3B2-0CCC5069B807}"/>
+                  <a16:creationId xmlns="" xmlns:a16="http://schemas.microsoft.com/office/drawing/2014/main" id="{D3006355-B059-4BD1-A3B2-0CCC5069B807}"/>
                 </a:ext>
               </a:extLst>
             </p:cNvPr>
@@ -9332,7 +9332,7 @@
             <p:cNvPr id="4" name="Google Shape;94;p14">
               <a:extLst>
                 <a:ext uri="{FF2B5EF4-FFF2-40B4-BE49-F238E27FC236}">
-                  <a16:creationId xmlns:a16="http://schemas.microsoft.com/office/drawing/2014/main" xmlns="" id="{2DE1ED2D-991F-4D1D-BE20-BEE2D9298552}"/>
+                  <a16:creationId xmlns="" xmlns:a16="http://schemas.microsoft.com/office/drawing/2014/main" id="{2DE1ED2D-991F-4D1D-BE20-BEE2D9298552}"/>
                 </a:ext>
               </a:extLst>
             </p:cNvPr>
@@ -9352,7 +9352,7 @@
           </p:spPr>
           <p:txBody>
             <a:bodyPr spcFirstLastPara="1" wrap="square" lIns="91425" tIns="91425" rIns="91425" bIns="91425" anchor="t" anchorCtr="0">
-              <a:normAutofit fontScale="62500" lnSpcReduction="20000"/>
+              <a:normAutofit fontScale="55000" lnSpcReduction="20000"/>
             </a:bodyPr>
             <a:lstStyle>
               <a:lvl1pPr algn="l" defTabSz="914400" rtl="0" eaLnBrk="1" latinLnBrk="0" hangingPunct="1">
@@ -9380,11 +9380,18 @@
                 </a:spcBef>
               </a:pPr>
               <a:r>
+                <a:rPr lang="es-PE" dirty="0" smtClean="0">
+                  <a:latin typeface="Arial" panose="020B0604020202020204" pitchFamily="34" charset="0"/>
+                  <a:cs typeface="Arial" panose="020B0604020202020204" pitchFamily="34" charset="0"/>
+                </a:rPr>
+                <a:t>Caso3: </a:t>
+              </a:r>
+              <a:r>
                 <a:rPr lang="es-PE" dirty="0">
                   <a:latin typeface="Arial" panose="020B0604020202020204" pitchFamily="34" charset="0"/>
                   <a:cs typeface="Arial" panose="020B0604020202020204" pitchFamily="34" charset="0"/>
                 </a:rPr>
-                <a:t>Caso: Control de Pesos en la Crianza de Aves</a:t>
+                <a:t>Control de Pesos en la Crianza de Aves</a:t>
               </a:r>
             </a:p>
           </p:txBody>
@@ -9395,7 +9402,7 @@
           <p:cNvPr id="8" name="Imagen 7">
             <a:extLst>
               <a:ext uri="{FF2B5EF4-FFF2-40B4-BE49-F238E27FC236}">
-                <a16:creationId xmlns:a16="http://schemas.microsoft.com/office/drawing/2014/main" xmlns="" id="{783F487C-02F7-4F5E-ACF8-59F63B2040E9}"/>
+                <a16:creationId xmlns="" xmlns:a16="http://schemas.microsoft.com/office/drawing/2014/main" id="{783F487C-02F7-4F5E-ACF8-59F63B2040E9}"/>
               </a:ext>
             </a:extLst>
           </p:cNvPr>
@@ -9425,7 +9432,7 @@
           <p:cNvPr id="10" name="Imagen 9">
             <a:extLst>
               <a:ext uri="{FF2B5EF4-FFF2-40B4-BE49-F238E27FC236}">
-                <a16:creationId xmlns:a16="http://schemas.microsoft.com/office/drawing/2014/main" xmlns="" id="{4720400A-83B2-4837-9C62-7BC03F82A897}"/>
+                <a16:creationId xmlns="" xmlns:a16="http://schemas.microsoft.com/office/drawing/2014/main" id="{4720400A-83B2-4837-9C62-7BC03F82A897}"/>
               </a:ext>
             </a:extLst>
           </p:cNvPr>
@@ -9455,7 +9462,7 @@
           <p:cNvPr id="11" name="CuadroTexto 10">
             <a:extLst>
               <a:ext uri="{FF2B5EF4-FFF2-40B4-BE49-F238E27FC236}">
-                <a16:creationId xmlns:a16="http://schemas.microsoft.com/office/drawing/2014/main" xmlns="" id="{F544077F-1CE4-4B53-AE3F-26216255C3D9}"/>
+                <a16:creationId xmlns="" xmlns:a16="http://schemas.microsoft.com/office/drawing/2014/main" id="{F544077F-1CE4-4B53-AE3F-26216255C3D9}"/>
               </a:ext>
             </a:extLst>
           </p:cNvPr>
@@ -9498,7 +9505,7 @@
           <p:cNvPr id="13" name="CuadroTexto 12">
             <a:extLst>
               <a:ext uri="{FF2B5EF4-FFF2-40B4-BE49-F238E27FC236}">
-                <a16:creationId xmlns:a16="http://schemas.microsoft.com/office/drawing/2014/main" xmlns="" id="{D6B30671-23B8-46E2-A6D4-8A589F4130F2}"/>
+                <a16:creationId xmlns="" xmlns:a16="http://schemas.microsoft.com/office/drawing/2014/main" id="{D6B30671-23B8-46E2-A6D4-8A589F4130F2}"/>
               </a:ext>
             </a:extLst>
           </p:cNvPr>
@@ -9547,7 +9554,7 @@
           <p:cNvPr id="14" name="Conector recto 13">
             <a:extLst>
               <a:ext uri="{FF2B5EF4-FFF2-40B4-BE49-F238E27FC236}">
-                <a16:creationId xmlns:a16="http://schemas.microsoft.com/office/drawing/2014/main" xmlns="" id="{B342F3B1-093F-4675-BAF3-C6624DBF3074}"/>
+                <a16:creationId xmlns="" xmlns:a16="http://schemas.microsoft.com/office/drawing/2014/main" id="{B342F3B1-093F-4675-BAF3-C6624DBF3074}"/>
               </a:ext>
             </a:extLst>
           </p:cNvPr>
@@ -9621,7 +9628,7 @@
           <p:cNvPr id="2" name="Grupo 1">
             <a:extLst>
               <a:ext uri="{FF2B5EF4-FFF2-40B4-BE49-F238E27FC236}">
-                <a16:creationId xmlns:a16="http://schemas.microsoft.com/office/drawing/2014/main" xmlns="" id="{CE588960-DEB6-49F7-A5C2-B8705DD94C5F}"/>
+                <a16:creationId xmlns="" xmlns:a16="http://schemas.microsoft.com/office/drawing/2014/main" id="{CE588960-DEB6-49F7-A5C2-B8705DD94C5F}"/>
               </a:ext>
             </a:extLst>
           </p:cNvPr>
@@ -9641,7 +9648,7 @@
             <p:cNvPr id="3" name="Conector recto 2">
               <a:extLst>
                 <a:ext uri="{FF2B5EF4-FFF2-40B4-BE49-F238E27FC236}">
-                  <a16:creationId xmlns:a16="http://schemas.microsoft.com/office/drawing/2014/main" xmlns="" id="{D3006355-B059-4BD1-A3B2-0CCC5069B807}"/>
+                  <a16:creationId xmlns="" xmlns:a16="http://schemas.microsoft.com/office/drawing/2014/main" id="{D3006355-B059-4BD1-A3B2-0CCC5069B807}"/>
                 </a:ext>
               </a:extLst>
             </p:cNvPr>
@@ -9685,7 +9692,7 @@
             <p:cNvPr id="4" name="Google Shape;94;p14">
               <a:extLst>
                 <a:ext uri="{FF2B5EF4-FFF2-40B4-BE49-F238E27FC236}">
-                  <a16:creationId xmlns:a16="http://schemas.microsoft.com/office/drawing/2014/main" xmlns="" id="{2DE1ED2D-991F-4D1D-BE20-BEE2D9298552}"/>
+                  <a16:creationId xmlns="" xmlns:a16="http://schemas.microsoft.com/office/drawing/2014/main" id="{2DE1ED2D-991F-4D1D-BE20-BEE2D9298552}"/>
                 </a:ext>
               </a:extLst>
             </p:cNvPr>
@@ -9705,7 +9712,7 @@
           </p:spPr>
           <p:txBody>
             <a:bodyPr spcFirstLastPara="1" wrap="square" lIns="91425" tIns="91425" rIns="91425" bIns="91425" anchor="t" anchorCtr="0">
-              <a:normAutofit fontScale="62500" lnSpcReduction="20000"/>
+              <a:normAutofit fontScale="55000" lnSpcReduction="20000"/>
             </a:bodyPr>
             <a:lstStyle>
               <a:lvl1pPr algn="l" defTabSz="914400" rtl="0" eaLnBrk="1" latinLnBrk="0" hangingPunct="1">
@@ -9733,11 +9740,18 @@
                 </a:spcBef>
               </a:pPr>
               <a:r>
+                <a:rPr lang="es-PE" dirty="0" smtClean="0">
+                  <a:latin typeface="Arial" panose="020B0604020202020204" pitchFamily="34" charset="0"/>
+                  <a:cs typeface="Arial" panose="020B0604020202020204" pitchFamily="34" charset="0"/>
+                </a:rPr>
+                <a:t>Caso 3: </a:t>
+              </a:r>
+              <a:r>
                 <a:rPr lang="es-PE" dirty="0">
                   <a:latin typeface="Arial" panose="020B0604020202020204" pitchFamily="34" charset="0"/>
                   <a:cs typeface="Arial" panose="020B0604020202020204" pitchFamily="34" charset="0"/>
                 </a:rPr>
-                <a:t>Caso: Control de Pesos en la Crianza de Aves</a:t>
+                <a:t>Control de Pesos en la Crianza de Aves</a:t>
               </a:r>
             </a:p>
           </p:txBody>
@@ -9748,7 +9762,7 @@
           <p:cNvPr id="11" name="CuadroTexto 10">
             <a:extLst>
               <a:ext uri="{FF2B5EF4-FFF2-40B4-BE49-F238E27FC236}">
-                <a16:creationId xmlns:a16="http://schemas.microsoft.com/office/drawing/2014/main" xmlns="" id="{F544077F-1CE4-4B53-AE3F-26216255C3D9}"/>
+                <a16:creationId xmlns="" xmlns:a16="http://schemas.microsoft.com/office/drawing/2014/main" id="{F544077F-1CE4-4B53-AE3F-26216255C3D9}"/>
               </a:ext>
             </a:extLst>
           </p:cNvPr>
@@ -9791,7 +9805,7 @@
           <p:cNvPr id="12" name="Conector recto 11">
             <a:extLst>
               <a:ext uri="{FF2B5EF4-FFF2-40B4-BE49-F238E27FC236}">
-                <a16:creationId xmlns:a16="http://schemas.microsoft.com/office/drawing/2014/main" xmlns="" id="{4978A537-3E36-45C3-8D6A-98398E00159E}"/>
+                <a16:creationId xmlns="" xmlns:a16="http://schemas.microsoft.com/office/drawing/2014/main" id="{4978A537-3E36-45C3-8D6A-98398E00159E}"/>
               </a:ext>
             </a:extLst>
           </p:cNvPr>
@@ -9835,7 +9849,7 @@
           <p:cNvPr id="13" name="CuadroTexto 12">
             <a:extLst>
               <a:ext uri="{FF2B5EF4-FFF2-40B4-BE49-F238E27FC236}">
-                <a16:creationId xmlns:a16="http://schemas.microsoft.com/office/drawing/2014/main" xmlns="" id="{D6B30671-23B8-46E2-A6D4-8A589F4130F2}"/>
+                <a16:creationId xmlns="" xmlns:a16="http://schemas.microsoft.com/office/drawing/2014/main" id="{D6B30671-23B8-46E2-A6D4-8A589F4130F2}"/>
               </a:ext>
             </a:extLst>
           </p:cNvPr>
@@ -9886,7 +9900,7 @@
           <p:cNvPr id="6" name="Imagen 5">
             <a:extLst>
               <a:ext uri="{FF2B5EF4-FFF2-40B4-BE49-F238E27FC236}">
-                <a16:creationId xmlns:a16="http://schemas.microsoft.com/office/drawing/2014/main" xmlns="" id="{9A6C1569-381A-45EE-8A4D-11BE4E7B12A8}"/>
+                <a16:creationId xmlns="" xmlns:a16="http://schemas.microsoft.com/office/drawing/2014/main" id="{9A6C1569-381A-45EE-8A4D-11BE4E7B12A8}"/>
               </a:ext>
             </a:extLst>
           </p:cNvPr>
@@ -9916,7 +9930,7 @@
           <p:cNvPr id="9" name="Imagen 8">
             <a:extLst>
               <a:ext uri="{FF2B5EF4-FFF2-40B4-BE49-F238E27FC236}">
-                <a16:creationId xmlns:a16="http://schemas.microsoft.com/office/drawing/2014/main" xmlns="" id="{9CF4228D-E33B-4F3F-95D7-1AD3163AE2E0}"/>
+                <a16:creationId xmlns="" xmlns:a16="http://schemas.microsoft.com/office/drawing/2014/main" id="{9CF4228D-E33B-4F3F-95D7-1AD3163AE2E0}"/>
               </a:ext>
             </a:extLst>
           </p:cNvPr>
@@ -10205,7 +10219,7 @@
           <p:cNvPr id="7" name="Grupo 34">
             <a:extLst>
               <a:ext uri="{FF2B5EF4-FFF2-40B4-BE49-F238E27FC236}">
-                <a16:creationId xmlns:a16="http://schemas.microsoft.com/office/drawing/2014/main" xmlns="" id="{22AA945C-DA3A-40D8-8B32-7CCEFA6DFAFF}"/>
+                <a16:creationId xmlns="" xmlns:a16="http://schemas.microsoft.com/office/drawing/2014/main" id="{22AA945C-DA3A-40D8-8B32-7CCEFA6DFAFF}"/>
               </a:ext>
             </a:extLst>
           </p:cNvPr>
@@ -10225,7 +10239,7 @@
             <p:cNvPr id="10" name="Conector recto 20">
               <a:extLst>
                 <a:ext uri="{FF2B5EF4-FFF2-40B4-BE49-F238E27FC236}">
-                  <a16:creationId xmlns:a16="http://schemas.microsoft.com/office/drawing/2014/main" xmlns="" id="{FD6C8753-8F98-4685-86AD-266B43B23FE7}"/>
+                  <a16:creationId xmlns="" xmlns:a16="http://schemas.microsoft.com/office/drawing/2014/main" id="{FD6C8753-8F98-4685-86AD-266B43B23FE7}"/>
                 </a:ext>
               </a:extLst>
             </p:cNvPr>
@@ -10269,7 +10283,7 @@
             <p:cNvPr id="11" name="Google Shape;94;p14">
               <a:extLst>
                 <a:ext uri="{FF2B5EF4-FFF2-40B4-BE49-F238E27FC236}">
-                  <a16:creationId xmlns:a16="http://schemas.microsoft.com/office/drawing/2014/main" xmlns="" id="{7B25057C-3CC7-4431-B6F1-2A1A14698C97}"/>
+                  <a16:creationId xmlns="" xmlns:a16="http://schemas.microsoft.com/office/drawing/2014/main" id="{7B25057C-3CC7-4431-B6F1-2A1A14698C97}"/>
                 </a:ext>
               </a:extLst>
             </p:cNvPr>
@@ -10436,7 +10450,7 @@
           <p:cNvPr id="6" name="Grupo 34">
             <a:extLst>
               <a:ext uri="{FF2B5EF4-FFF2-40B4-BE49-F238E27FC236}">
-                <a16:creationId xmlns:a16="http://schemas.microsoft.com/office/drawing/2014/main" xmlns="" id="{22AA945C-DA3A-40D8-8B32-7CCEFA6DFAFF}"/>
+                <a16:creationId xmlns="" xmlns:a16="http://schemas.microsoft.com/office/drawing/2014/main" id="{22AA945C-DA3A-40D8-8B32-7CCEFA6DFAFF}"/>
               </a:ext>
             </a:extLst>
           </p:cNvPr>
@@ -10456,7 +10470,7 @@
             <p:cNvPr id="7" name="Conector recto 20">
               <a:extLst>
                 <a:ext uri="{FF2B5EF4-FFF2-40B4-BE49-F238E27FC236}">
-                  <a16:creationId xmlns:a16="http://schemas.microsoft.com/office/drawing/2014/main" xmlns="" id="{FD6C8753-8F98-4685-86AD-266B43B23FE7}"/>
+                  <a16:creationId xmlns="" xmlns:a16="http://schemas.microsoft.com/office/drawing/2014/main" id="{FD6C8753-8F98-4685-86AD-266B43B23FE7}"/>
                 </a:ext>
               </a:extLst>
             </p:cNvPr>
@@ -10500,7 +10514,7 @@
             <p:cNvPr id="8" name="Google Shape;94;p14">
               <a:extLst>
                 <a:ext uri="{FF2B5EF4-FFF2-40B4-BE49-F238E27FC236}">
-                  <a16:creationId xmlns:a16="http://schemas.microsoft.com/office/drawing/2014/main" xmlns="" id="{7B25057C-3CC7-4431-B6F1-2A1A14698C97}"/>
+                  <a16:creationId xmlns="" xmlns:a16="http://schemas.microsoft.com/office/drawing/2014/main" id="{7B25057C-3CC7-4431-B6F1-2A1A14698C97}"/>
                 </a:ext>
               </a:extLst>
             </p:cNvPr>
@@ -10744,7 +10758,7 @@
           <p:cNvPr id="8" name="Grupo 34">
             <a:extLst>
               <a:ext uri="{FF2B5EF4-FFF2-40B4-BE49-F238E27FC236}">
-                <a16:creationId xmlns:a16="http://schemas.microsoft.com/office/drawing/2014/main" xmlns="" id="{22AA945C-DA3A-40D8-8B32-7CCEFA6DFAFF}"/>
+                <a16:creationId xmlns="" xmlns:a16="http://schemas.microsoft.com/office/drawing/2014/main" id="{22AA945C-DA3A-40D8-8B32-7CCEFA6DFAFF}"/>
               </a:ext>
             </a:extLst>
           </p:cNvPr>
@@ -10764,7 +10778,7 @@
             <p:cNvPr id="9" name="Conector recto 20">
               <a:extLst>
                 <a:ext uri="{FF2B5EF4-FFF2-40B4-BE49-F238E27FC236}">
-                  <a16:creationId xmlns:a16="http://schemas.microsoft.com/office/drawing/2014/main" xmlns="" id="{FD6C8753-8F98-4685-86AD-266B43B23FE7}"/>
+                  <a16:creationId xmlns="" xmlns:a16="http://schemas.microsoft.com/office/drawing/2014/main" id="{FD6C8753-8F98-4685-86AD-266B43B23FE7}"/>
                 </a:ext>
               </a:extLst>
             </p:cNvPr>
@@ -10808,7 +10822,7 @@
             <p:cNvPr id="10" name="Google Shape;94;p14">
               <a:extLst>
                 <a:ext uri="{FF2B5EF4-FFF2-40B4-BE49-F238E27FC236}">
-                  <a16:creationId xmlns:a16="http://schemas.microsoft.com/office/drawing/2014/main" xmlns="" id="{7B25057C-3CC7-4431-B6F1-2A1A14698C97}"/>
+                  <a16:creationId xmlns="" xmlns:a16="http://schemas.microsoft.com/office/drawing/2014/main" id="{7B25057C-3CC7-4431-B6F1-2A1A14698C97}"/>
                 </a:ext>
               </a:extLst>
             </p:cNvPr>
@@ -10974,7 +10988,7 @@
           <p:cNvPr id="5" name="Grupo 34">
             <a:extLst>
               <a:ext uri="{FF2B5EF4-FFF2-40B4-BE49-F238E27FC236}">
-                <a16:creationId xmlns:a16="http://schemas.microsoft.com/office/drawing/2014/main" xmlns="" id="{22AA945C-DA3A-40D8-8B32-7CCEFA6DFAFF}"/>
+                <a16:creationId xmlns="" xmlns:a16="http://schemas.microsoft.com/office/drawing/2014/main" id="{22AA945C-DA3A-40D8-8B32-7CCEFA6DFAFF}"/>
               </a:ext>
             </a:extLst>
           </p:cNvPr>
@@ -10994,7 +11008,7 @@
             <p:cNvPr id="6" name="Conector recto 20">
               <a:extLst>
                 <a:ext uri="{FF2B5EF4-FFF2-40B4-BE49-F238E27FC236}">
-                  <a16:creationId xmlns:a16="http://schemas.microsoft.com/office/drawing/2014/main" xmlns="" id="{FD6C8753-8F98-4685-86AD-266B43B23FE7}"/>
+                  <a16:creationId xmlns="" xmlns:a16="http://schemas.microsoft.com/office/drawing/2014/main" id="{FD6C8753-8F98-4685-86AD-266B43B23FE7}"/>
                 </a:ext>
               </a:extLst>
             </p:cNvPr>
@@ -11038,7 +11052,7 @@
             <p:cNvPr id="7" name="Google Shape;94;p14">
               <a:extLst>
                 <a:ext uri="{FF2B5EF4-FFF2-40B4-BE49-F238E27FC236}">
-                  <a16:creationId xmlns:a16="http://schemas.microsoft.com/office/drawing/2014/main" xmlns="" id="{7B25057C-3CC7-4431-B6F1-2A1A14698C97}"/>
+                  <a16:creationId xmlns="" xmlns:a16="http://schemas.microsoft.com/office/drawing/2014/main" id="{7B25057C-3CC7-4431-B6F1-2A1A14698C97}"/>
                 </a:ext>
               </a:extLst>
             </p:cNvPr>
@@ -11276,7 +11290,7 @@
           <p:cNvPr id="2" name="Grupo 34">
             <a:extLst>
               <a:ext uri="{FF2B5EF4-FFF2-40B4-BE49-F238E27FC236}">
-                <a16:creationId xmlns:a16="http://schemas.microsoft.com/office/drawing/2014/main" xmlns="" id="{22AA945C-DA3A-40D8-8B32-7CCEFA6DFAFF}"/>
+                <a16:creationId xmlns="" xmlns:a16="http://schemas.microsoft.com/office/drawing/2014/main" id="{22AA945C-DA3A-40D8-8B32-7CCEFA6DFAFF}"/>
               </a:ext>
             </a:extLst>
           </p:cNvPr>
@@ -11296,7 +11310,7 @@
             <p:cNvPr id="3" name="Conector recto 20">
               <a:extLst>
                 <a:ext uri="{FF2B5EF4-FFF2-40B4-BE49-F238E27FC236}">
-                  <a16:creationId xmlns:a16="http://schemas.microsoft.com/office/drawing/2014/main" xmlns="" id="{FD6C8753-8F98-4685-86AD-266B43B23FE7}"/>
+                  <a16:creationId xmlns="" xmlns:a16="http://schemas.microsoft.com/office/drawing/2014/main" id="{FD6C8753-8F98-4685-86AD-266B43B23FE7}"/>
                 </a:ext>
               </a:extLst>
             </p:cNvPr>
@@ -11340,7 +11354,7 @@
             <p:cNvPr id="4" name="Google Shape;94;p14">
               <a:extLst>
                 <a:ext uri="{FF2B5EF4-FFF2-40B4-BE49-F238E27FC236}">
-                  <a16:creationId xmlns:a16="http://schemas.microsoft.com/office/drawing/2014/main" xmlns="" id="{7B25057C-3CC7-4431-B6F1-2A1A14698C97}"/>
+                  <a16:creationId xmlns="" xmlns:a16="http://schemas.microsoft.com/office/drawing/2014/main" id="{7B25057C-3CC7-4431-B6F1-2A1A14698C97}"/>
                 </a:ext>
               </a:extLst>
             </p:cNvPr>
@@ -11351,8 +11365,8 @@
           </p:nvSpPr>
           <p:spPr>
             <a:xfrm>
-              <a:off x="205849" y="100105"/>
-              <a:ext cx="7688700" cy="535200"/>
+              <a:off x="205848" y="100105"/>
+              <a:ext cx="10337105" cy="535200"/>
             </a:xfrm>
             <a:prstGeom prst="rect">
               <a:avLst/>
@@ -11360,7 +11374,7 @@
           </p:spPr>
           <p:txBody>
             <a:bodyPr spcFirstLastPara="1" wrap="square" lIns="91425" tIns="91425" rIns="91425" bIns="91425" anchor="t" anchorCtr="0">
-              <a:normAutofit fontScale="55000" lnSpcReduction="20000"/>
+              <a:normAutofit fontScale="32500" lnSpcReduction="20000"/>
             </a:bodyPr>
             <a:lstStyle>
               <a:lvl1pPr algn="l" defTabSz="914400" rtl="0" eaLnBrk="1" latinLnBrk="0" hangingPunct="1">
@@ -11382,11 +11396,6 @@
               </a:lvl1pPr>
             </a:lstStyle>
             <a:p>
-              <a:pPr>
-                <a:spcBef>
-                  <a:spcPts val="0"/>
-                </a:spcBef>
-              </a:pPr>
               <a:r>
                 <a:rPr lang="es-PE" dirty="0" smtClean="0">
                   <a:latin typeface="Arial" panose="020B0604020202020204" pitchFamily="34" charset="0"/>
@@ -11395,12 +11404,10 @@
                 <a:t>Caso 1 : </a:t>
               </a:r>
               <a:r>
-                <a:rPr lang="es-PE" dirty="0">
-                  <a:latin typeface="Arial" panose="020B0604020202020204" pitchFamily="34" charset="0"/>
-                  <a:cs typeface="Arial" panose="020B0604020202020204" pitchFamily="34" charset="0"/>
-                </a:rPr>
-                <a:t>Control de Pesos en la Crianza de Aves</a:t>
+                <a:rPr lang="es-PE" b="1" dirty="0"/>
+                <a:t>Estudio de evolución de la Mortalidad de Neonatos y la importancia del lavado de manos antes de atender a los pacientes en el XIX</a:t>
               </a:r>
+              <a:endParaRPr lang="es-ES" b="1" dirty="0"/>
             </a:p>
           </p:txBody>
         </p:sp>
@@ -11578,140 +11585,50 @@
           <a:chExt cx="0" cy="0"/>
         </a:xfrm>
       </p:grpSpPr>
-      <p:grpSp>
-        <p:nvGrpSpPr>
-          <p:cNvPr id="2" name="Grupo 34">
+      <p:cxnSp>
+        <p:nvCxnSpPr>
+          <p:cNvPr id="3" name="Conector recto 20">
             <a:extLst>
               <a:ext uri="{FF2B5EF4-FFF2-40B4-BE49-F238E27FC236}">
-                <a16:creationId xmlns:a16="http://schemas.microsoft.com/office/drawing/2014/main" xmlns="" id="{22AA945C-DA3A-40D8-8B32-7CCEFA6DFAFF}"/>
+                <a16:creationId xmlns="" xmlns:a16="http://schemas.microsoft.com/office/drawing/2014/main" id="{FD6C8753-8F98-4685-86AD-266B43B23FE7}"/>
               </a:ext>
             </a:extLst>
           </p:cNvPr>
-          <p:cNvGrpSpPr/>
+          <p:cNvCxnSpPr/>
           <p:nvPr/>
-        </p:nvGrpSpPr>
-        <p:grpSpPr>
-          <a:xfrm>
-            <a:off x="15902" y="100105"/>
-            <a:ext cx="12133690" cy="535200"/>
-            <a:chOff x="15902" y="100105"/>
-            <a:chExt cx="12133690" cy="535200"/>
-          </a:xfrm>
-        </p:grpSpPr>
-        <p:cxnSp>
-          <p:nvCxnSpPr>
-            <p:cNvPr id="3" name="Conector recto 20">
-              <a:extLst>
-                <a:ext uri="{FF2B5EF4-FFF2-40B4-BE49-F238E27FC236}">
-                  <a16:creationId xmlns:a16="http://schemas.microsoft.com/office/drawing/2014/main" xmlns="" id="{FD6C8753-8F98-4685-86AD-266B43B23FE7}"/>
-                </a:ext>
-              </a:extLst>
-            </p:cNvPr>
-            <p:cNvCxnSpPr/>
-            <p:nvPr/>
-          </p:nvCxnSpPr>
-          <p:spPr>
-            <a:xfrm>
-              <a:off x="15902" y="612250"/>
-              <a:ext cx="12133690" cy="0"/>
-            </a:xfrm>
-            <a:prstGeom prst="line">
-              <a:avLst/>
-            </a:prstGeom>
-            <a:ln w="12700">
-              <a:solidFill>
-                <a:schemeClr val="accent5">
-                  <a:lumMod val="60000"/>
-                  <a:lumOff val="40000"/>
-                </a:schemeClr>
-              </a:solidFill>
-            </a:ln>
-          </p:spPr>
-          <p:style>
-            <a:lnRef idx="1">
-              <a:schemeClr val="accent1"/>
-            </a:lnRef>
-            <a:fillRef idx="0">
-              <a:schemeClr val="accent1"/>
-            </a:fillRef>
-            <a:effectRef idx="0">
-              <a:schemeClr val="accent1"/>
-            </a:effectRef>
-            <a:fontRef idx="minor">
-              <a:schemeClr val="tx1"/>
-            </a:fontRef>
-          </p:style>
-        </p:cxnSp>
-        <p:sp>
-          <p:nvSpPr>
-            <p:cNvPr id="4" name="Google Shape;94;p14">
-              <a:extLst>
-                <a:ext uri="{FF2B5EF4-FFF2-40B4-BE49-F238E27FC236}">
-                  <a16:creationId xmlns:a16="http://schemas.microsoft.com/office/drawing/2014/main" xmlns="" id="{7B25057C-3CC7-4431-B6F1-2A1A14698C97}"/>
-                </a:ext>
-              </a:extLst>
-            </p:cNvPr>
-            <p:cNvSpPr txBox="1">
-              <a:spLocks/>
-            </p:cNvSpPr>
-            <p:nvPr/>
-          </p:nvSpPr>
-          <p:spPr>
-            <a:xfrm>
-              <a:off x="205849" y="100105"/>
-              <a:ext cx="7688700" cy="535200"/>
-            </a:xfrm>
-            <a:prstGeom prst="rect">
-              <a:avLst/>
-            </a:prstGeom>
-          </p:spPr>
-          <p:txBody>
-            <a:bodyPr spcFirstLastPara="1" wrap="square" lIns="91425" tIns="91425" rIns="91425" bIns="91425" anchor="t" anchorCtr="0">
-              <a:normAutofit fontScale="55000" lnSpcReduction="20000"/>
-            </a:bodyPr>
-            <a:lstStyle>
-              <a:lvl1pPr algn="l" defTabSz="914400" rtl="0" eaLnBrk="1" latinLnBrk="0" hangingPunct="1">
-                <a:lnSpc>
-                  <a:spcPct val="90000"/>
-                </a:lnSpc>
-                <a:spcBef>
-                  <a:spcPct val="0"/>
-                </a:spcBef>
-                <a:buNone/>
-                <a:defRPr sz="4400" kern="1200">
-                  <a:solidFill>
-                    <a:schemeClr val="tx1"/>
-                  </a:solidFill>
-                  <a:latin typeface="+mj-lt"/>
-                  <a:ea typeface="+mj-ea"/>
-                  <a:cs typeface="+mj-cs"/>
-                </a:defRPr>
-              </a:lvl1pPr>
-            </a:lstStyle>
-            <a:p>
-              <a:pPr>
-                <a:spcBef>
-                  <a:spcPts val="0"/>
-                </a:spcBef>
-              </a:pPr>
-              <a:r>
-                <a:rPr lang="es-PE" dirty="0" smtClean="0">
-                  <a:latin typeface="Arial" panose="020B0604020202020204" pitchFamily="34" charset="0"/>
-                  <a:cs typeface="Arial" panose="020B0604020202020204" pitchFamily="34" charset="0"/>
-                </a:rPr>
-                <a:t>Caso 1 : </a:t>
-              </a:r>
-              <a:r>
-                <a:rPr lang="es-PE" dirty="0">
-                  <a:latin typeface="Arial" panose="020B0604020202020204" pitchFamily="34" charset="0"/>
-                  <a:cs typeface="Arial" panose="020B0604020202020204" pitchFamily="34" charset="0"/>
-                </a:rPr>
-                <a:t>Control de Pesos en la Crianza de Aves</a:t>
-              </a:r>
-            </a:p>
-          </p:txBody>
-        </p:sp>
-      </p:grpSp>
+        </p:nvCxnSpPr>
+        <p:spPr>
+          <a:xfrm>
+            <a:off x="15902" y="612250"/>
+            <a:ext cx="12133690" cy="0"/>
+          </a:xfrm>
+          <a:prstGeom prst="line">
+            <a:avLst/>
+          </a:prstGeom>
+          <a:ln w="12700">
+            <a:solidFill>
+              <a:schemeClr val="accent5">
+                <a:lumMod val="60000"/>
+                <a:lumOff val="40000"/>
+              </a:schemeClr>
+            </a:solidFill>
+          </a:ln>
+        </p:spPr>
+        <p:style>
+          <a:lnRef idx="1">
+            <a:schemeClr val="accent1"/>
+          </a:lnRef>
+          <a:fillRef idx="0">
+            <a:schemeClr val="accent1"/>
+          </a:fillRef>
+          <a:effectRef idx="0">
+            <a:schemeClr val="accent1"/>
+          </a:effectRef>
+          <a:fontRef idx="minor">
+            <a:schemeClr val="tx1"/>
+          </a:fontRef>
+        </p:style>
+      </p:cxnSp>
       <p:pic>
         <p:nvPicPr>
           <p:cNvPr id="1027" name="Picture 3"/>
@@ -11980,6 +11897,68 @@
           </a:p>
         </p:txBody>
       </p:sp>
+      <p:sp>
+        <p:nvSpPr>
+          <p:cNvPr id="10" name="Google Shape;94;p14">
+            <a:extLst>
+              <a:ext uri="{FF2B5EF4-FFF2-40B4-BE49-F238E27FC236}">
+                <a16:creationId xmlns="" xmlns:a16="http://schemas.microsoft.com/office/drawing/2014/main" id="{7B25057C-3CC7-4431-B6F1-2A1A14698C97}"/>
+              </a:ext>
+            </a:extLst>
+          </p:cNvPr>
+          <p:cNvSpPr txBox="1">
+            <a:spLocks/>
+          </p:cNvSpPr>
+          <p:nvPr/>
+        </p:nvSpPr>
+        <p:spPr>
+          <a:xfrm>
+            <a:off x="205848" y="100105"/>
+            <a:ext cx="10337105" cy="535200"/>
+          </a:xfrm>
+          <a:prstGeom prst="rect">
+            <a:avLst/>
+          </a:prstGeom>
+        </p:spPr>
+        <p:txBody>
+          <a:bodyPr spcFirstLastPara="1" wrap="square" lIns="91425" tIns="91425" rIns="91425" bIns="91425" anchor="t" anchorCtr="0">
+            <a:normAutofit fontScale="32500" lnSpcReduction="20000"/>
+          </a:bodyPr>
+          <a:lstStyle>
+            <a:lvl1pPr algn="l" defTabSz="914400" rtl="0" eaLnBrk="1" latinLnBrk="0" hangingPunct="1">
+              <a:lnSpc>
+                <a:spcPct val="90000"/>
+              </a:lnSpc>
+              <a:spcBef>
+                <a:spcPct val="0"/>
+              </a:spcBef>
+              <a:buNone/>
+              <a:defRPr sz="4400" kern="1200">
+                <a:solidFill>
+                  <a:schemeClr val="tx1"/>
+                </a:solidFill>
+                <a:latin typeface="+mj-lt"/>
+                <a:ea typeface="+mj-ea"/>
+                <a:cs typeface="+mj-cs"/>
+              </a:defRPr>
+            </a:lvl1pPr>
+          </a:lstStyle>
+          <a:p>
+            <a:r>
+              <a:rPr lang="es-PE" dirty="0" smtClean="0">
+                <a:latin typeface="Arial" panose="020B0604020202020204" pitchFamily="34" charset="0"/>
+                <a:cs typeface="Arial" panose="020B0604020202020204" pitchFamily="34" charset="0"/>
+              </a:rPr>
+              <a:t>Caso 1 : </a:t>
+            </a:r>
+            <a:r>
+              <a:rPr lang="es-PE" b="1" dirty="0"/>
+              <a:t>Estudio de evolución de la Mortalidad de Neonatos y la importancia del lavado de manos antes de atender a los pacientes en el XIX</a:t>
+            </a:r>
+            <a:endParaRPr lang="es-ES" b="1" dirty="0"/>
+          </a:p>
+        </p:txBody>
+      </p:sp>
     </p:spTree>
     <p:extLst>
       <p:ext uri="{BB962C8B-B14F-4D97-AF65-F5344CB8AC3E}">
@@ -12015,7 +11994,7 @@
           <p:cNvPr id="2" name="Grupo 34">
             <a:extLst>
               <a:ext uri="{FF2B5EF4-FFF2-40B4-BE49-F238E27FC236}">
-                <a16:creationId xmlns:a16="http://schemas.microsoft.com/office/drawing/2014/main" xmlns="" id="{22AA945C-DA3A-40D8-8B32-7CCEFA6DFAFF}"/>
+                <a16:creationId xmlns="" xmlns:a16="http://schemas.microsoft.com/office/drawing/2014/main" id="{22AA945C-DA3A-40D8-8B32-7CCEFA6DFAFF}"/>
               </a:ext>
             </a:extLst>
           </p:cNvPr>
@@ -12035,7 +12014,7 @@
             <p:cNvPr id="3" name="Conector recto 20">
               <a:extLst>
                 <a:ext uri="{FF2B5EF4-FFF2-40B4-BE49-F238E27FC236}">
-                  <a16:creationId xmlns:a16="http://schemas.microsoft.com/office/drawing/2014/main" xmlns="" id="{FD6C8753-8F98-4685-86AD-266B43B23FE7}"/>
+                  <a16:creationId xmlns="" xmlns:a16="http://schemas.microsoft.com/office/drawing/2014/main" id="{FD6C8753-8F98-4685-86AD-266B43B23FE7}"/>
                 </a:ext>
               </a:extLst>
             </p:cNvPr>
@@ -12079,7 +12058,7 @@
             <p:cNvPr id="4" name="Google Shape;94;p14">
               <a:extLst>
                 <a:ext uri="{FF2B5EF4-FFF2-40B4-BE49-F238E27FC236}">
-                  <a16:creationId xmlns:a16="http://schemas.microsoft.com/office/drawing/2014/main" xmlns="" id="{7B25057C-3CC7-4431-B6F1-2A1A14698C97}"/>
+                  <a16:creationId xmlns="" xmlns:a16="http://schemas.microsoft.com/office/drawing/2014/main" id="{7B25057C-3CC7-4431-B6F1-2A1A14698C97}"/>
                 </a:ext>
               </a:extLst>
             </p:cNvPr>
@@ -12381,7 +12360,7 @@
           <p:cNvPr id="2" name="Grupo 34">
             <a:extLst>
               <a:ext uri="{FF2B5EF4-FFF2-40B4-BE49-F238E27FC236}">
-                <a16:creationId xmlns:a16="http://schemas.microsoft.com/office/drawing/2014/main" xmlns="" id="{22AA945C-DA3A-40D8-8B32-7CCEFA6DFAFF}"/>
+                <a16:creationId xmlns="" xmlns:a16="http://schemas.microsoft.com/office/drawing/2014/main" id="{22AA945C-DA3A-40D8-8B32-7CCEFA6DFAFF}"/>
               </a:ext>
             </a:extLst>
           </p:cNvPr>
@@ -12401,7 +12380,7 @@
             <p:cNvPr id="3" name="Conector recto 20">
               <a:extLst>
                 <a:ext uri="{FF2B5EF4-FFF2-40B4-BE49-F238E27FC236}">
-                  <a16:creationId xmlns:a16="http://schemas.microsoft.com/office/drawing/2014/main" xmlns="" id="{FD6C8753-8F98-4685-86AD-266B43B23FE7}"/>
+                  <a16:creationId xmlns="" xmlns:a16="http://schemas.microsoft.com/office/drawing/2014/main" id="{FD6C8753-8F98-4685-86AD-266B43B23FE7}"/>
                 </a:ext>
               </a:extLst>
             </p:cNvPr>
@@ -12445,7 +12424,7 @@
             <p:cNvPr id="4" name="Google Shape;94;p14">
               <a:extLst>
                 <a:ext uri="{FF2B5EF4-FFF2-40B4-BE49-F238E27FC236}">
-                  <a16:creationId xmlns:a16="http://schemas.microsoft.com/office/drawing/2014/main" xmlns="" id="{7B25057C-3CC7-4431-B6F1-2A1A14698C97}"/>
+                  <a16:creationId xmlns="" xmlns:a16="http://schemas.microsoft.com/office/drawing/2014/main" id="{7B25057C-3CC7-4431-B6F1-2A1A14698C97}"/>
                 </a:ext>
               </a:extLst>
             </p:cNvPr>
@@ -12751,7 +12730,7 @@
           <p:cNvPr id="2" name="Grupo 34">
             <a:extLst>
               <a:ext uri="{FF2B5EF4-FFF2-40B4-BE49-F238E27FC236}">
-                <a16:creationId xmlns:a16="http://schemas.microsoft.com/office/drawing/2014/main" xmlns="" id="{22AA945C-DA3A-40D8-8B32-7CCEFA6DFAFF}"/>
+                <a16:creationId xmlns="" xmlns:a16="http://schemas.microsoft.com/office/drawing/2014/main" id="{22AA945C-DA3A-40D8-8B32-7CCEFA6DFAFF}"/>
               </a:ext>
             </a:extLst>
           </p:cNvPr>
@@ -12771,7 +12750,7 @@
             <p:cNvPr id="3" name="Conector recto 20">
               <a:extLst>
                 <a:ext uri="{FF2B5EF4-FFF2-40B4-BE49-F238E27FC236}">
-                  <a16:creationId xmlns:a16="http://schemas.microsoft.com/office/drawing/2014/main" xmlns="" id="{FD6C8753-8F98-4685-86AD-266B43B23FE7}"/>
+                  <a16:creationId xmlns="" xmlns:a16="http://schemas.microsoft.com/office/drawing/2014/main" id="{FD6C8753-8F98-4685-86AD-266B43B23FE7}"/>
                 </a:ext>
               </a:extLst>
             </p:cNvPr>
@@ -12815,7 +12794,7 @@
             <p:cNvPr id="4" name="Google Shape;94;p14">
               <a:extLst>
                 <a:ext uri="{FF2B5EF4-FFF2-40B4-BE49-F238E27FC236}">
-                  <a16:creationId xmlns:a16="http://schemas.microsoft.com/office/drawing/2014/main" xmlns="" id="{7B25057C-3CC7-4431-B6F1-2A1A14698C97}"/>
+                  <a16:creationId xmlns="" xmlns:a16="http://schemas.microsoft.com/office/drawing/2014/main" id="{7B25057C-3CC7-4431-B6F1-2A1A14698C97}"/>
                 </a:ext>
               </a:extLst>
             </p:cNvPr>
@@ -13131,7 +13110,7 @@
           <p:cNvPr id="2" name="Grupo 34">
             <a:extLst>
               <a:ext uri="{FF2B5EF4-FFF2-40B4-BE49-F238E27FC236}">
-                <a16:creationId xmlns:a16="http://schemas.microsoft.com/office/drawing/2014/main" xmlns="" id="{22AA945C-DA3A-40D8-8B32-7CCEFA6DFAFF}"/>
+                <a16:creationId xmlns="" xmlns:a16="http://schemas.microsoft.com/office/drawing/2014/main" id="{22AA945C-DA3A-40D8-8B32-7CCEFA6DFAFF}"/>
               </a:ext>
             </a:extLst>
           </p:cNvPr>
@@ -13151,7 +13130,7 @@
             <p:cNvPr id="3" name="Conector recto 20">
               <a:extLst>
                 <a:ext uri="{FF2B5EF4-FFF2-40B4-BE49-F238E27FC236}">
-                  <a16:creationId xmlns:a16="http://schemas.microsoft.com/office/drawing/2014/main" xmlns="" id="{FD6C8753-8F98-4685-86AD-266B43B23FE7}"/>
+                  <a16:creationId xmlns="" xmlns:a16="http://schemas.microsoft.com/office/drawing/2014/main" id="{FD6C8753-8F98-4685-86AD-266B43B23FE7}"/>
                 </a:ext>
               </a:extLst>
             </p:cNvPr>
@@ -13195,7 +13174,7 @@
             <p:cNvPr id="4" name="Google Shape;94;p14">
               <a:extLst>
                 <a:ext uri="{FF2B5EF4-FFF2-40B4-BE49-F238E27FC236}">
-                  <a16:creationId xmlns:a16="http://schemas.microsoft.com/office/drawing/2014/main" xmlns="" id="{7B25057C-3CC7-4431-B6F1-2A1A14698C97}"/>
+                  <a16:creationId xmlns="" xmlns:a16="http://schemas.microsoft.com/office/drawing/2014/main" id="{7B25057C-3CC7-4431-B6F1-2A1A14698C97}"/>
                 </a:ext>
               </a:extLst>
             </p:cNvPr>
@@ -13465,7 +13444,7 @@
           <p:cNvPr id="2" name="Grupo 34">
             <a:extLst>
               <a:ext uri="{FF2B5EF4-FFF2-40B4-BE49-F238E27FC236}">
-                <a16:creationId xmlns:a16="http://schemas.microsoft.com/office/drawing/2014/main" xmlns="" id="{22AA945C-DA3A-40D8-8B32-7CCEFA6DFAFF}"/>
+                <a16:creationId xmlns="" xmlns:a16="http://schemas.microsoft.com/office/drawing/2014/main" id="{22AA945C-DA3A-40D8-8B32-7CCEFA6DFAFF}"/>
               </a:ext>
             </a:extLst>
           </p:cNvPr>
@@ -13485,7 +13464,7 @@
             <p:cNvPr id="3" name="Conector recto 20">
               <a:extLst>
                 <a:ext uri="{FF2B5EF4-FFF2-40B4-BE49-F238E27FC236}">
-                  <a16:creationId xmlns:a16="http://schemas.microsoft.com/office/drawing/2014/main" xmlns="" id="{FD6C8753-8F98-4685-86AD-266B43B23FE7}"/>
+                  <a16:creationId xmlns="" xmlns:a16="http://schemas.microsoft.com/office/drawing/2014/main" id="{FD6C8753-8F98-4685-86AD-266B43B23FE7}"/>
                 </a:ext>
               </a:extLst>
             </p:cNvPr>
@@ -13529,7 +13508,7 @@
             <p:cNvPr id="4" name="Google Shape;94;p14">
               <a:extLst>
                 <a:ext uri="{FF2B5EF4-FFF2-40B4-BE49-F238E27FC236}">
-                  <a16:creationId xmlns:a16="http://schemas.microsoft.com/office/drawing/2014/main" xmlns="" id="{7B25057C-3CC7-4431-B6F1-2A1A14698C97}"/>
+                  <a16:creationId xmlns="" xmlns:a16="http://schemas.microsoft.com/office/drawing/2014/main" id="{7B25057C-3CC7-4431-B6F1-2A1A14698C97}"/>
                 </a:ext>
               </a:extLst>
             </p:cNvPr>
@@ -13666,15 +13645,7 @@
                   <a:prstClr val="black"/>
                 </a:solidFill>
               </a:rPr>
-              <a:t>: Q-Q and Ojiva </a:t>
-            </a:r>
-            <a:r>
-              <a:rPr lang="es-PE" sz="2800" dirty="0" smtClean="0">
-                <a:solidFill>
-                  <a:prstClr val="black"/>
-                </a:solidFill>
-              </a:rPr>
-              <a:t>X^2 – Data </a:t>
+              <a:t>: Q-Q and Ojiva X^2 – Data </a:t>
             </a:r>
             <a:r>
               <a:rPr lang="es-PE" sz="2800" dirty="0" err="1" smtClean="0">
@@ -13823,7 +13794,7 @@
           <p:cNvPr id="3" name="Imagen 2">
             <a:extLst>
               <a:ext uri="{FF2B5EF4-FFF2-40B4-BE49-F238E27FC236}">
-                <a16:creationId xmlns:a16="http://schemas.microsoft.com/office/drawing/2014/main" xmlns="" id="{C9E2D102-1AAA-4B24-87D4-9CD2C44C4EBD}"/>
+                <a16:creationId xmlns="" xmlns:a16="http://schemas.microsoft.com/office/drawing/2014/main" id="{C9E2D102-1AAA-4B24-87D4-9CD2C44C4EBD}"/>
               </a:ext>
             </a:extLst>
           </p:cNvPr>
@@ -13853,7 +13824,7 @@
           <p:cNvPr id="26" name="Grupo 25">
             <a:extLst>
               <a:ext uri="{FF2B5EF4-FFF2-40B4-BE49-F238E27FC236}">
-                <a16:creationId xmlns:a16="http://schemas.microsoft.com/office/drawing/2014/main" xmlns="" id="{54266D78-76CE-4561-933E-DE28CFC6A20B}"/>
+                <a16:creationId xmlns="" xmlns:a16="http://schemas.microsoft.com/office/drawing/2014/main" id="{54266D78-76CE-4561-933E-DE28CFC6A20B}"/>
               </a:ext>
             </a:extLst>
           </p:cNvPr>
@@ -13873,7 +13844,7 @@
             <p:cNvPr id="2" name="Imagen 1">
               <a:extLst>
                 <a:ext uri="{FF2B5EF4-FFF2-40B4-BE49-F238E27FC236}">
-                  <a16:creationId xmlns:a16="http://schemas.microsoft.com/office/drawing/2014/main" xmlns="" id="{8ECE070C-7AAB-4467-8F75-B19788648759}"/>
+                  <a16:creationId xmlns="" xmlns:a16="http://schemas.microsoft.com/office/drawing/2014/main" id="{8ECE070C-7AAB-4467-8F75-B19788648759}"/>
                 </a:ext>
               </a:extLst>
             </p:cNvPr>
@@ -13903,7 +13874,7 @@
             <p:cNvPr id="5" name="Conector recto 4">
               <a:extLst>
                 <a:ext uri="{FF2B5EF4-FFF2-40B4-BE49-F238E27FC236}">
-                  <a16:creationId xmlns:a16="http://schemas.microsoft.com/office/drawing/2014/main" xmlns="" id="{C703309C-E8EA-488C-8032-CAF365F56AC5}"/>
+                  <a16:creationId xmlns="" xmlns:a16="http://schemas.microsoft.com/office/drawing/2014/main" id="{C703309C-E8EA-488C-8032-CAF365F56AC5}"/>
                 </a:ext>
               </a:extLst>
             </p:cNvPr>
@@ -13941,7 +13912,7 @@
             <p:cNvPr id="9" name="CuadroTexto 8">
               <a:extLst>
                 <a:ext uri="{FF2B5EF4-FFF2-40B4-BE49-F238E27FC236}">
-                  <a16:creationId xmlns:a16="http://schemas.microsoft.com/office/drawing/2014/main" xmlns="" id="{F8B8D3D0-9EE8-4FCA-917D-81439CC77B9D}"/>
+                  <a16:creationId xmlns="" xmlns:a16="http://schemas.microsoft.com/office/drawing/2014/main" id="{F8B8D3D0-9EE8-4FCA-917D-81439CC77B9D}"/>
                 </a:ext>
               </a:extLst>
             </p:cNvPr>
@@ -13976,7 +13947,7 @@
             <p:cNvPr id="10" name="CuadroTexto 9">
               <a:extLst>
                 <a:ext uri="{FF2B5EF4-FFF2-40B4-BE49-F238E27FC236}">
-                  <a16:creationId xmlns:a16="http://schemas.microsoft.com/office/drawing/2014/main" xmlns="" id="{757441F1-84B2-4443-809A-8D3B6789C1D6}"/>
+                  <a16:creationId xmlns="" xmlns:a16="http://schemas.microsoft.com/office/drawing/2014/main" id="{757441F1-84B2-4443-809A-8D3B6789C1D6}"/>
                 </a:ext>
               </a:extLst>
             </p:cNvPr>
@@ -14011,7 +13982,7 @@
             <p:cNvPr id="11" name="CuadroTexto 10">
               <a:extLst>
                 <a:ext uri="{FF2B5EF4-FFF2-40B4-BE49-F238E27FC236}">
-                  <a16:creationId xmlns:a16="http://schemas.microsoft.com/office/drawing/2014/main" xmlns="" id="{E507276F-1D56-4947-9663-97D13E5D98FD}"/>
+                  <a16:creationId xmlns="" xmlns:a16="http://schemas.microsoft.com/office/drawing/2014/main" id="{E507276F-1D56-4947-9663-97D13E5D98FD}"/>
                 </a:ext>
               </a:extLst>
             </p:cNvPr>
@@ -14046,7 +14017,7 @@
             <p:cNvPr id="12" name="Conector recto 11">
               <a:extLst>
                 <a:ext uri="{FF2B5EF4-FFF2-40B4-BE49-F238E27FC236}">
-                  <a16:creationId xmlns:a16="http://schemas.microsoft.com/office/drawing/2014/main" xmlns="" id="{19C601AF-021B-4B98-B322-6A7F4B84FBB9}"/>
+                  <a16:creationId xmlns="" xmlns:a16="http://schemas.microsoft.com/office/drawing/2014/main" id="{19C601AF-021B-4B98-B322-6A7F4B84FBB9}"/>
                 </a:ext>
               </a:extLst>
             </p:cNvPr>
@@ -14084,7 +14055,7 @@
             <p:cNvPr id="13" name="Conector recto 12">
               <a:extLst>
                 <a:ext uri="{FF2B5EF4-FFF2-40B4-BE49-F238E27FC236}">
-                  <a16:creationId xmlns:a16="http://schemas.microsoft.com/office/drawing/2014/main" xmlns="" id="{036A245B-743D-4B74-970D-4C3D8F2BD805}"/>
+                  <a16:creationId xmlns="" xmlns:a16="http://schemas.microsoft.com/office/drawing/2014/main" id="{036A245B-743D-4B74-970D-4C3D8F2BD805}"/>
                 </a:ext>
               </a:extLst>
             </p:cNvPr>
@@ -14124,7 +14095,7 @@
           <p:cNvPr id="24" name="Google Shape;94;p14">
             <a:extLst>
               <a:ext uri="{FF2B5EF4-FFF2-40B4-BE49-F238E27FC236}">
-                <a16:creationId xmlns:a16="http://schemas.microsoft.com/office/drawing/2014/main" xmlns="" id="{05A338C6-B44A-43B9-AECE-2241833539BB}"/>
+                <a16:creationId xmlns="" xmlns:a16="http://schemas.microsoft.com/office/drawing/2014/main" id="{05A338C6-B44A-43B9-AECE-2241833539BB}"/>
               </a:ext>
             </a:extLst>
           </p:cNvPr>
@@ -14186,7 +14157,7 @@
           <p:cNvPr id="35" name="Grupo 34">
             <a:extLst>
               <a:ext uri="{FF2B5EF4-FFF2-40B4-BE49-F238E27FC236}">
-                <a16:creationId xmlns:a16="http://schemas.microsoft.com/office/drawing/2014/main" xmlns="" id="{22AA945C-DA3A-40D8-8B32-7CCEFA6DFAFF}"/>
+                <a16:creationId xmlns="" xmlns:a16="http://schemas.microsoft.com/office/drawing/2014/main" id="{22AA945C-DA3A-40D8-8B32-7CCEFA6DFAFF}"/>
               </a:ext>
             </a:extLst>
           </p:cNvPr>
@@ -14206,7 +14177,7 @@
             <p:cNvPr id="21" name="Conector recto 20">
               <a:extLst>
                 <a:ext uri="{FF2B5EF4-FFF2-40B4-BE49-F238E27FC236}">
-                  <a16:creationId xmlns:a16="http://schemas.microsoft.com/office/drawing/2014/main" xmlns="" id="{FD6C8753-8F98-4685-86AD-266B43B23FE7}"/>
+                  <a16:creationId xmlns="" xmlns:a16="http://schemas.microsoft.com/office/drawing/2014/main" id="{FD6C8753-8F98-4685-86AD-266B43B23FE7}"/>
                 </a:ext>
               </a:extLst>
             </p:cNvPr>
@@ -14250,7 +14221,7 @@
             <p:cNvPr id="25" name="Google Shape;94;p14">
               <a:extLst>
                 <a:ext uri="{FF2B5EF4-FFF2-40B4-BE49-F238E27FC236}">
-                  <a16:creationId xmlns:a16="http://schemas.microsoft.com/office/drawing/2014/main" xmlns="" id="{7B25057C-3CC7-4431-B6F1-2A1A14698C97}"/>
+                  <a16:creationId xmlns="" xmlns:a16="http://schemas.microsoft.com/office/drawing/2014/main" id="{7B25057C-3CC7-4431-B6F1-2A1A14698C97}"/>
                 </a:ext>
               </a:extLst>
             </p:cNvPr>
@@ -14320,7 +14291,7 @@
           <p:cNvPr id="27" name="CuadroTexto 26">
             <a:extLst>
               <a:ext uri="{FF2B5EF4-FFF2-40B4-BE49-F238E27FC236}">
-                <a16:creationId xmlns:a16="http://schemas.microsoft.com/office/drawing/2014/main" xmlns="" id="{A354BAF3-39A2-421C-BBB1-E20A6031E09F}"/>
+                <a16:creationId xmlns="" xmlns:a16="http://schemas.microsoft.com/office/drawing/2014/main" id="{A354BAF3-39A2-421C-BBB1-E20A6031E09F}"/>
               </a:ext>
             </a:extLst>
           </p:cNvPr>
@@ -14359,7 +14330,7 @@
           <p:cNvPr id="28" name="CuadroTexto 27">
             <a:extLst>
               <a:ext uri="{FF2B5EF4-FFF2-40B4-BE49-F238E27FC236}">
-                <a16:creationId xmlns:a16="http://schemas.microsoft.com/office/drawing/2014/main" xmlns="" id="{30DD0522-5536-4937-8799-B9B27B99D15C}"/>
+                <a16:creationId xmlns="" xmlns:a16="http://schemas.microsoft.com/office/drawing/2014/main" id="{30DD0522-5536-4937-8799-B9B27B99D15C}"/>
               </a:ext>
             </a:extLst>
           </p:cNvPr>
@@ -14418,7 +14389,7 @@
           <p:cNvPr id="31" name="Imagen 30">
             <a:extLst>
               <a:ext uri="{FF2B5EF4-FFF2-40B4-BE49-F238E27FC236}">
-                <a16:creationId xmlns:a16="http://schemas.microsoft.com/office/drawing/2014/main" xmlns="" id="{18509292-EC4B-419F-BFE6-B445E74E3347}"/>
+                <a16:creationId xmlns="" xmlns:a16="http://schemas.microsoft.com/office/drawing/2014/main" id="{18509292-EC4B-419F-BFE6-B445E74E3347}"/>
               </a:ext>
             </a:extLst>
           </p:cNvPr>
@@ -14462,7 +14433,7 @@
           <p:cNvPr id="32" name="Imagen 31">
             <a:extLst>
               <a:ext uri="{FF2B5EF4-FFF2-40B4-BE49-F238E27FC236}">
-                <a16:creationId xmlns:a16="http://schemas.microsoft.com/office/drawing/2014/main" xmlns="" id="{13A50BA3-A269-435F-94FB-950941DF58E0}"/>
+                <a16:creationId xmlns="" xmlns:a16="http://schemas.microsoft.com/office/drawing/2014/main" id="{13A50BA3-A269-435F-94FB-950941DF58E0}"/>
               </a:ext>
             </a:extLst>
           </p:cNvPr>
@@ -14491,7 +14462,7 @@
           <p:cNvPr id="33" name="CuadroTexto 32">
             <a:extLst>
               <a:ext uri="{FF2B5EF4-FFF2-40B4-BE49-F238E27FC236}">
-                <a16:creationId xmlns:a16="http://schemas.microsoft.com/office/drawing/2014/main" xmlns="" id="{9CACB554-5855-48F3-A96D-00678C5F68BA}"/>
+                <a16:creationId xmlns="" xmlns:a16="http://schemas.microsoft.com/office/drawing/2014/main" id="{9CACB554-5855-48F3-A96D-00678C5F68BA}"/>
               </a:ext>
             </a:extLst>
           </p:cNvPr>
@@ -14531,7 +14502,7 @@
           <p:cNvPr id="34" name="CuadroTexto 33">
             <a:extLst>
               <a:ext uri="{FF2B5EF4-FFF2-40B4-BE49-F238E27FC236}">
-                <a16:creationId xmlns:a16="http://schemas.microsoft.com/office/drawing/2014/main" xmlns="" id="{8A158031-948C-46AD-A27F-5B3E6AE6F5CB}"/>
+                <a16:creationId xmlns="" xmlns:a16="http://schemas.microsoft.com/office/drawing/2014/main" id="{8A158031-948C-46AD-A27F-5B3E6AE6F5CB}"/>
               </a:ext>
             </a:extLst>
           </p:cNvPr>
@@ -14580,7 +14551,7 @@
           <p:cNvPr id="36" name="Conector recto 35">
             <a:extLst>
               <a:ext uri="{FF2B5EF4-FFF2-40B4-BE49-F238E27FC236}">
-                <a16:creationId xmlns:a16="http://schemas.microsoft.com/office/drawing/2014/main" xmlns="" id="{078C5D8D-12D1-4AFC-B2B8-F76A025D3F87}"/>
+                <a16:creationId xmlns="" xmlns:a16="http://schemas.microsoft.com/office/drawing/2014/main" id="{078C5D8D-12D1-4AFC-B2B8-F76A025D3F87}"/>
               </a:ext>
             </a:extLst>
           </p:cNvPr>
@@ -14921,7 +14892,7 @@
   <a:extraClrSchemeLst/>
   <a:extLst>
     <a:ext uri="{05A4C25C-085E-4340-85A3-A5531E510DB2}">
-      <thm15:themeFamily xmlns:thm15="http://schemas.microsoft.com/office/thememl/2012/main" xmlns="" name="Office Theme" id="{62F939B6-93AF-4DB8-9C6B-D6C7DFDC589F}" vid="{4A3C46E8-61CC-4603-A589-7422A47A8E4A}"/>
+      <thm15:themeFamily xmlns="" xmlns:thm15="http://schemas.microsoft.com/office/thememl/2012/main" name="Office Theme" id="{62F939B6-93AF-4DB8-9C6B-D6C7DFDC589F}" vid="{4A3C46E8-61CC-4603-A589-7422A47A8E4A}"/>
     </a:ext>
   </a:extLst>
 </a:theme>
